--- a/Hangman.pptx
+++ b/Hangman.pptx
@@ -10,17 +10,23 @@
     <p:sldId id="258" r:id="rId4"/>
     <p:sldId id="270" r:id="rId5"/>
     <p:sldId id="271" r:id="rId6"/>
-    <p:sldId id="259" r:id="rId7"/>
-    <p:sldId id="260" r:id="rId8"/>
-    <p:sldId id="269" r:id="rId9"/>
-    <p:sldId id="266" r:id="rId10"/>
-    <p:sldId id="261" r:id="rId11"/>
-    <p:sldId id="268" r:id="rId12"/>
-    <p:sldId id="272" r:id="rId13"/>
-    <p:sldId id="263" r:id="rId14"/>
-    <p:sldId id="267" r:id="rId15"/>
-    <p:sldId id="264" r:id="rId16"/>
-    <p:sldId id="265" r:id="rId17"/>
+    <p:sldId id="273" r:id="rId7"/>
+    <p:sldId id="259" r:id="rId8"/>
+    <p:sldId id="260" r:id="rId9"/>
+    <p:sldId id="269" r:id="rId10"/>
+    <p:sldId id="266" r:id="rId11"/>
+    <p:sldId id="261" r:id="rId12"/>
+    <p:sldId id="275" r:id="rId13"/>
+    <p:sldId id="268" r:id="rId14"/>
+    <p:sldId id="272" r:id="rId15"/>
+    <p:sldId id="276" r:id="rId16"/>
+    <p:sldId id="267" r:id="rId17"/>
+    <p:sldId id="277" r:id="rId18"/>
+    <p:sldId id="278" r:id="rId19"/>
+    <p:sldId id="264" r:id="rId20"/>
+    <p:sldId id="274" r:id="rId21"/>
+    <p:sldId id="279" r:id="rId22"/>
+    <p:sldId id="265" r:id="rId23"/>
   </p:sldIdLst>
   <p:sldSz cx="12192000" cy="6858000"/>
   <p:notesSz cx="6858000" cy="9144000"/>
@@ -459,7 +465,7 @@
             <a:fld id="{B61BEF0D-F0BB-DE4B-95CE-6DB70DBA9567}" type="datetimeFigureOut">
               <a:rPr lang="en-US" dirty="0"/>
               <a:pPr/>
-              <a:t>2/14/2019</a:t>
+              <a:t>4/30/2019</a:t>
             </a:fld>
             <a:endParaRPr lang="en-US" dirty="0"/>
           </a:p>
@@ -780,7 +786,7 @@
             <a:fld id="{B61BEF0D-F0BB-DE4B-95CE-6DB70DBA9567}" type="datetimeFigureOut">
               <a:rPr lang="en-US" dirty="0"/>
               <a:pPr/>
-              <a:t>2/14/2019</a:t>
+              <a:t>4/30/2019</a:t>
             </a:fld>
             <a:endParaRPr lang="en-US" dirty="0"/>
           </a:p>
@@ -1025,7 +1031,7 @@
             <a:fld id="{B61BEF0D-F0BB-DE4B-95CE-6DB70DBA9567}" type="datetimeFigureOut">
               <a:rPr lang="en-US" dirty="0"/>
               <a:pPr/>
-              <a:t>2/14/2019</a:t>
+              <a:t>4/30/2019</a:t>
             </a:fld>
             <a:endParaRPr lang="en-US" dirty="0"/>
           </a:p>
@@ -1361,7 +1367,7 @@
             <a:fld id="{B61BEF0D-F0BB-DE4B-95CE-6DB70DBA9567}" type="datetimeFigureOut">
               <a:rPr lang="en-US" dirty="0"/>
               <a:pPr/>
-              <a:t>2/14/2019</a:t>
+              <a:t>4/30/2019</a:t>
             </a:fld>
             <a:endParaRPr lang="en-US" dirty="0"/>
           </a:p>
@@ -1705,7 +1711,7 @@
             <a:fld id="{B61BEF0D-F0BB-DE4B-95CE-6DB70DBA9567}" type="datetimeFigureOut">
               <a:rPr lang="en-US" dirty="0"/>
               <a:pPr/>
-              <a:t>2/14/2019</a:t>
+              <a:t>4/30/2019</a:t>
             </a:fld>
             <a:endParaRPr lang="en-US" dirty="0"/>
           </a:p>
@@ -2076,7 +2082,7 @@
             <a:fld id="{B61BEF0D-F0BB-DE4B-95CE-6DB70DBA9567}" type="datetimeFigureOut">
               <a:rPr lang="en-US" dirty="0"/>
               <a:pPr/>
-              <a:t>2/14/2019</a:t>
+              <a:t>4/30/2019</a:t>
             </a:fld>
             <a:endParaRPr lang="en-US" dirty="0"/>
           </a:p>
@@ -2543,7 +2549,7 @@
             <a:fld id="{B61BEF0D-F0BB-DE4B-95CE-6DB70DBA9567}" type="datetimeFigureOut">
               <a:rPr lang="en-US" dirty="0"/>
               <a:pPr/>
-              <a:t>2/14/2019</a:t>
+              <a:t>4/30/2019</a:t>
             </a:fld>
             <a:endParaRPr lang="en-US" dirty="0"/>
           </a:p>
@@ -2745,7 +2751,7 @@
             <a:fld id="{B61BEF0D-F0BB-DE4B-95CE-6DB70DBA9567}" type="datetimeFigureOut">
               <a:rPr lang="en-US" dirty="0"/>
               <a:pPr/>
-              <a:t>2/14/2019</a:t>
+              <a:t>4/30/2019</a:t>
             </a:fld>
             <a:endParaRPr lang="en-US" dirty="0"/>
           </a:p>
@@ -2953,7 +2959,7 @@
             <a:fld id="{B61BEF0D-F0BB-DE4B-95CE-6DB70DBA9567}" type="datetimeFigureOut">
               <a:rPr lang="en-US" dirty="0"/>
               <a:pPr/>
-              <a:t>2/14/2019</a:t>
+              <a:t>4/30/2019</a:t>
             </a:fld>
             <a:endParaRPr lang="en-US" dirty="0"/>
           </a:p>
@@ -3181,7 +3187,7 @@
           <a:p>
             <a:fld id="{52647F38-B617-4D2F-AE0A-013F0C4D2C57}" type="datetimeFigureOut">
               <a:rPr lang="en-US" dirty="0"/>
-              <a:t>2/14/2019</a:t>
+              <a:t>4/30/2019</a:t>
             </a:fld>
             <a:endParaRPr lang="en-US" dirty="0"/>
           </a:p>
@@ -3425,7 +3431,7 @@
             <a:fld id="{B61BEF0D-F0BB-DE4B-95CE-6DB70DBA9567}" type="datetimeFigureOut">
               <a:rPr lang="en-US" dirty="0"/>
               <a:pPr/>
-              <a:t>2/14/2019</a:t>
+              <a:t>4/30/2019</a:t>
             </a:fld>
             <a:endParaRPr lang="en-US" dirty="0"/>
           </a:p>
@@ -3719,7 +3725,7 @@
           <a:p>
             <a:fld id="{05BFA754-D5C3-4E66-96A6-867B257F58DC}" type="datetimeFigureOut">
               <a:rPr lang="en-US" dirty="0"/>
-              <a:t>2/14/2019</a:t>
+              <a:t>4/30/2019</a:t>
             </a:fld>
             <a:endParaRPr lang="en-US" dirty="0"/>
           </a:p>
@@ -4109,7 +4115,7 @@
             <a:fld id="{B61BEF0D-F0BB-DE4B-95CE-6DB70DBA9567}" type="datetimeFigureOut">
               <a:rPr lang="en-US" dirty="0"/>
               <a:pPr/>
-              <a:t>2/14/2019</a:t>
+              <a:t>4/30/2019</a:t>
             </a:fld>
             <a:endParaRPr lang="en-US" dirty="0"/>
           </a:p>
@@ -4255,7 +4261,7 @@
             <a:fld id="{B61BEF0D-F0BB-DE4B-95CE-6DB70DBA9567}" type="datetimeFigureOut">
               <a:rPr lang="en-US" dirty="0"/>
               <a:pPr/>
-              <a:t>2/14/2019</a:t>
+              <a:t>4/30/2019</a:t>
             </a:fld>
             <a:endParaRPr lang="en-US" dirty="0"/>
           </a:p>
@@ -4378,7 +4384,7 @@
             <a:fld id="{B61BEF0D-F0BB-DE4B-95CE-6DB70DBA9567}" type="datetimeFigureOut">
               <a:rPr lang="en-US" dirty="0"/>
               <a:pPr/>
-              <a:t>2/14/2019</a:t>
+              <a:t>4/30/2019</a:t>
             </a:fld>
             <a:endParaRPr lang="en-US" dirty="0"/>
           </a:p>
@@ -4630,7 +4636,7 @@
             <a:fld id="{B61BEF0D-F0BB-DE4B-95CE-6DB70DBA9567}" type="datetimeFigureOut">
               <a:rPr lang="en-US" dirty="0"/>
               <a:pPr/>
-              <a:t>2/14/2019</a:t>
+              <a:t>4/30/2019</a:t>
             </a:fld>
             <a:endParaRPr lang="en-US" dirty="0"/>
           </a:p>
@@ -4942,7 +4948,7 @@
             <a:fld id="{B61BEF0D-F0BB-DE4B-95CE-6DB70DBA9567}" type="datetimeFigureOut">
               <a:rPr lang="en-US" dirty="0"/>
               <a:pPr/>
-              <a:t>2/14/2019</a:t>
+              <a:t>4/30/2019</a:t>
             </a:fld>
             <a:endParaRPr lang="en-US" dirty="0"/>
           </a:p>
@@ -5290,7 +5296,7 @@
             <a:fld id="{B61BEF0D-F0BB-DE4B-95CE-6DB70DBA9567}" type="datetimeFigureOut">
               <a:rPr lang="en-US" dirty="0"/>
               <a:pPr/>
-              <a:t>2/14/2019</a:t>
+              <a:t>4/30/2019</a:t>
             </a:fld>
             <a:endParaRPr lang="en-US" dirty="0"/>
           </a:p>
@@ -5914,15 +5920,7 @@
                 <a:ea typeface="Arial Unicode MS" panose="020B0604020202020204" pitchFamily="34" charset="-128"/>
                 <a:cs typeface="Arial Unicode MS" panose="020B0604020202020204" pitchFamily="34" charset="-128"/>
               </a:rPr>
-              <a:t>ID </a:t>
-            </a:r>
-            <a:r>
-              <a:rPr lang="en-US" smtClean="0">
-                <a:latin typeface="Arial Unicode MS" panose="020B0604020202020204" pitchFamily="34" charset="-128"/>
-                <a:ea typeface="Arial Unicode MS" panose="020B0604020202020204" pitchFamily="34" charset="-128"/>
-                <a:cs typeface="Arial Unicode MS" panose="020B0604020202020204" pitchFamily="34" charset="-128"/>
-              </a:rPr>
-              <a:t>BDA-432</a:t>
+              <a:t>ID BDA-432</a:t>
             </a:r>
             <a:endParaRPr lang="en-US" dirty="0" smtClean="0">
               <a:latin typeface="Arial Unicode MS" panose="020B0604020202020204" pitchFamily="34" charset="-128"/>
@@ -6086,93 +6084,42 @@
           <a:lstStyle/>
           <a:p>
             <a:r>
+              <a:rPr lang="en-US" dirty="0"/>
+              <a:t>Rules of the game</a:t>
+            </a:r>
+          </a:p>
+        </p:txBody>
+      </p:sp>
+      <p:sp>
+        <p:nvSpPr>
+          <p:cNvPr id="3" name="Content Placeholder 2"/>
+          <p:cNvSpPr>
+            <a:spLocks noGrp="1"/>
+          </p:cNvSpPr>
+          <p:nvPr>
+            <p:ph idx="1"/>
+          </p:nvPr>
+        </p:nvSpPr>
+        <p:spPr/>
+        <p:txBody>
+          <a:bodyPr>
+            <a:normAutofit fontScale="92500" lnSpcReduction="10000"/>
+          </a:bodyPr>
+          <a:lstStyle/>
+          <a:p>
+            <a:r>
               <a:rPr lang="en-US" dirty="0" smtClean="0"/>
-              <a:t>Advantages</a:t>
-            </a:r>
-            <a:endParaRPr lang="en-US" dirty="0"/>
-          </a:p>
-        </p:txBody>
-      </p:sp>
-      <p:sp>
-        <p:nvSpPr>
-          <p:cNvPr id="3" name="Content Placeholder 2"/>
-          <p:cNvSpPr>
-            <a:spLocks noGrp="1"/>
-          </p:cNvSpPr>
-          <p:nvPr>
-            <p:ph idx="1"/>
-          </p:nvPr>
-        </p:nvSpPr>
-        <p:spPr/>
-        <p:txBody>
-          <a:bodyPr>
-            <a:normAutofit lnSpcReduction="10000"/>
-          </a:bodyPr>
-          <a:lstStyle/>
-          <a:p>
-            <a:r>
-              <a:rPr lang="en-US" dirty="0" smtClean="0"/>
-              <a:t>It can be played anytime and anywhere without having internet connection.</a:t>
-            </a:r>
-          </a:p>
-          <a:p>
-            <a:r>
-              <a:rPr lang="en-US" dirty="0" smtClean="0"/>
-              <a:t>Primes </a:t>
+              <a:t>A </a:t>
             </a:r>
             <a:r>
               <a:rPr lang="en-US" dirty="0"/>
-              <a:t>him/ her to recognize patterns and spelling quirks that cannot be taught before they come up in </a:t>
-            </a:r>
-            <a:r>
-              <a:rPr lang="en-US" dirty="0" smtClean="0"/>
-              <a:t>context</a:t>
+              <a:t>random word is chosen and presented to the player as a string of underscores</a:t>
             </a:r>
           </a:p>
           <a:p>
             <a:r>
               <a:rPr lang="en-US" dirty="0"/>
-              <a:t>C</a:t>
-            </a:r>
-            <a:r>
-              <a:rPr lang="en-US" dirty="0" smtClean="0"/>
-              <a:t>an </a:t>
-            </a:r>
-            <a:r>
-              <a:rPr lang="en-US" dirty="0"/>
-              <a:t>help in learn more and more </a:t>
-            </a:r>
-            <a:r>
-              <a:rPr lang="en-US" dirty="0" smtClean="0"/>
-              <a:t>words</a:t>
-            </a:r>
-          </a:p>
-          <a:p>
-            <a:r>
-              <a:rPr lang="en-US" dirty="0"/>
-              <a:t>P</a:t>
-            </a:r>
-            <a:r>
-              <a:rPr lang="en-US" dirty="0" smtClean="0"/>
-              <a:t>rovides </a:t>
-            </a:r>
-            <a:r>
-              <a:rPr lang="en-US" dirty="0"/>
-              <a:t>exercise to the brain, increase thinking power </a:t>
-            </a:r>
-          </a:p>
-          <a:p>
-            <a:r>
-              <a:rPr lang="en-US" dirty="0" smtClean="0"/>
-              <a:t>Improves </a:t>
-            </a:r>
-            <a:r>
-              <a:rPr lang="en-US" dirty="0"/>
-              <a:t>the working of the brain and response </a:t>
-            </a:r>
-            <a:r>
-              <a:rPr lang="en-US" dirty="0" smtClean="0"/>
-              <a:t>time</a:t>
+              <a:t>Ex. Chosen word is Cat, presented string is “ _ _ _ “</a:t>
             </a:r>
           </a:p>
           <a:p>
@@ -6182,12 +6129,49 @@
             </a:r>
             <a:r>
               <a:rPr lang="en-US" dirty="0"/>
-              <a:t>Spelling </a:t>
-            </a:r>
+              <a:t>A correct guess yields a filled in blank on the target string corresponding to the location or locations of the correctly guessed letter.</a:t>
+            </a:r>
+          </a:p>
+          <a:p>
+            <a:r>
+              <a:rPr lang="en-US" dirty="0"/>
+              <a:t>Ex. A is guessed, player is presented with “ _ A _ “</a:t>
+            </a:r>
+          </a:p>
+          <a:p>
             <a:r>
               <a:rPr lang="en-US" dirty="0" smtClean="0"/>
-              <a:t>improvement</a:t>
-            </a:r>
+              <a:t>An </a:t>
+            </a:r>
+            <a:r>
+              <a:rPr lang="en-US" dirty="0"/>
+              <a:t>incorrect guess does not fill in any of the target </a:t>
+            </a:r>
+            <a:r>
+              <a:rPr lang="en-US" dirty="0" smtClean="0"/>
+              <a:t>string</a:t>
+            </a:r>
+            <a:r>
+              <a:rPr lang="en-US" dirty="0"/>
+              <a:t> </a:t>
+            </a:r>
+            <a:r>
+              <a:rPr lang="en-US" dirty="0" smtClean="0"/>
+              <a:t>and the number of attempts reduces.</a:t>
+            </a:r>
+            <a:endParaRPr lang="en-US" dirty="0"/>
+          </a:p>
+          <a:p>
+            <a:r>
+              <a:rPr lang="en-US" dirty="0" smtClean="0"/>
+              <a:t>Limit </a:t>
+            </a:r>
+            <a:r>
+              <a:rPr lang="en-US" dirty="0"/>
+              <a:t>to amount of guesses.</a:t>
+            </a:r>
+          </a:p>
+          <a:p>
             <a:endParaRPr lang="en-US" dirty="0"/>
           </a:p>
         </p:txBody>
@@ -6195,7 +6179,7 @@
     </p:spTree>
     <p:extLst>
       <p:ext uri="{BB962C8B-B14F-4D97-AF65-F5344CB8AC3E}">
-        <p14:creationId xmlns:p14="http://schemas.microsoft.com/office/powerpoint/2010/main" val="3863370807"/>
+        <p14:creationId xmlns:p14="http://schemas.microsoft.com/office/powerpoint/2010/main" val="2753880248"/>
       </p:ext>
     </p:extLst>
   </p:cSld>
@@ -6231,147 +6215,131 @@
       </p:grpSpPr>
       <p:sp>
         <p:nvSpPr>
-          <p:cNvPr id="3" name="Title 1"/>
-          <p:cNvSpPr txBox="1">
-            <a:spLocks/>
-          </p:cNvSpPr>
-          <p:nvPr/>
-        </p:nvSpPr>
-        <p:spPr>
-          <a:xfrm>
-            <a:off x="712096" y="685920"/>
-            <a:ext cx="2494744" cy="730758"/>
-          </a:xfrm>
-          <a:prstGeom prst="rect">
-            <a:avLst/>
-          </a:prstGeom>
-        </p:spPr>
+          <p:cNvPr id="2" name="Title 1"/>
+          <p:cNvSpPr>
+            <a:spLocks noGrp="1"/>
+          </p:cNvSpPr>
+          <p:nvPr>
+            <p:ph type="title"/>
+          </p:nvPr>
+        </p:nvSpPr>
+        <p:spPr/>
+        <p:txBody>
+          <a:bodyPr/>
+          <a:lstStyle/>
+          <a:p>
+            <a:r>
+              <a:rPr lang="en-US" dirty="0" smtClean="0"/>
+              <a:t>Advantages</a:t>
+            </a:r>
+            <a:endParaRPr lang="en-US" dirty="0"/>
+          </a:p>
+        </p:txBody>
+      </p:sp>
+      <p:sp>
+        <p:nvSpPr>
+          <p:cNvPr id="3" name="Content Placeholder 2"/>
+          <p:cNvSpPr>
+            <a:spLocks noGrp="1"/>
+          </p:cNvSpPr>
+          <p:nvPr>
+            <p:ph idx="1"/>
+          </p:nvPr>
+        </p:nvSpPr>
+        <p:spPr/>
         <p:txBody>
           <a:bodyPr>
-            <a:normAutofit fontScale="97500" lnSpcReduction="10000"/>
+            <a:normAutofit lnSpcReduction="10000"/>
           </a:bodyPr>
-          <a:lstStyle>
-            <a:lvl1pPr algn="ctr" defTabSz="457200" rtl="0" eaLnBrk="1" latinLnBrk="0" hangingPunct="1">
-              <a:spcBef>
-                <a:spcPct val="0"/>
-              </a:spcBef>
-              <a:buNone/>
-              <a:defRPr sz="4400" kern="1200" cap="none">
-                <a:ln w="3175" cmpd="sng">
-                  <a:noFill/>
-                </a:ln>
-                <a:solidFill>
-                  <a:schemeClr val="tx1">
-                    <a:lumMod val="85000"/>
-                    <a:lumOff val="15000"/>
-                  </a:schemeClr>
-                </a:solidFill>
-                <a:effectLst/>
-                <a:latin typeface="+mj-lt"/>
-                <a:ea typeface="+mj-ea"/>
-                <a:cs typeface="+mj-cs"/>
-              </a:defRPr>
-            </a:lvl1pPr>
-            <a:lvl2pPr eaLnBrk="1" hangingPunct="1">
-              <a:defRPr>
-                <a:solidFill>
-                  <a:schemeClr val="tx2"/>
-                </a:solidFill>
-              </a:defRPr>
-            </a:lvl2pPr>
-            <a:lvl3pPr eaLnBrk="1" hangingPunct="1">
-              <a:defRPr>
-                <a:solidFill>
-                  <a:schemeClr val="tx2"/>
-                </a:solidFill>
-              </a:defRPr>
-            </a:lvl3pPr>
-            <a:lvl4pPr eaLnBrk="1" hangingPunct="1">
-              <a:defRPr>
-                <a:solidFill>
-                  <a:schemeClr val="tx2"/>
-                </a:solidFill>
-              </a:defRPr>
-            </a:lvl4pPr>
-            <a:lvl5pPr eaLnBrk="1" hangingPunct="1">
-              <a:defRPr>
-                <a:solidFill>
-                  <a:schemeClr val="tx2"/>
-                </a:solidFill>
-              </a:defRPr>
-            </a:lvl5pPr>
-            <a:lvl6pPr eaLnBrk="1" hangingPunct="1">
-              <a:defRPr>
-                <a:solidFill>
-                  <a:schemeClr val="tx2"/>
-                </a:solidFill>
-              </a:defRPr>
-            </a:lvl6pPr>
-            <a:lvl7pPr eaLnBrk="1" hangingPunct="1">
-              <a:defRPr>
-                <a:solidFill>
-                  <a:schemeClr val="tx2"/>
-                </a:solidFill>
-              </a:defRPr>
-            </a:lvl7pPr>
-            <a:lvl8pPr eaLnBrk="1" hangingPunct="1">
-              <a:defRPr>
-                <a:solidFill>
-                  <a:schemeClr val="tx2"/>
-                </a:solidFill>
-              </a:defRPr>
-            </a:lvl8pPr>
-            <a:lvl9pPr eaLnBrk="1" hangingPunct="1">
-              <a:defRPr>
-                <a:solidFill>
-                  <a:schemeClr val="tx2"/>
-                </a:solidFill>
-              </a:defRPr>
-            </a:lvl9pPr>
-          </a:lstStyle>
+          <a:lstStyle/>
           <a:p>
             <a:r>
               <a:rPr lang="en-US" dirty="0" smtClean="0"/>
-              <a:t>Flowchart</a:t>
-            </a:r>
-            <a:endParaRPr lang="en-US" dirty="0"/>
-          </a:p>
-        </p:txBody>
-      </p:sp>
-      <p:pic>
-        <p:nvPicPr>
-          <p:cNvPr id="6" name="Picture 5"/>
-          <p:cNvPicPr>
-            <a:picLocks noChangeAspect="1"/>
-          </p:cNvPicPr>
-          <p:nvPr/>
-        </p:nvPicPr>
-        <p:blipFill>
-          <a:blip r:embed="rId2">
-            <a:extLst>
-              <a:ext uri="{28A0092B-C50C-407E-A947-70E740481C1C}">
-                <a14:useLocalDpi xmlns:a14="http://schemas.microsoft.com/office/drawing/2010/main" val="0"/>
-              </a:ext>
-            </a:extLst>
-          </a:blip>
-          <a:stretch>
-            <a:fillRect/>
-          </a:stretch>
-        </p:blipFill>
-        <p:spPr>
-          <a:xfrm>
-            <a:off x="6928835" y="22982"/>
-            <a:ext cx="4845410" cy="7015322"/>
-          </a:xfrm>
-          <a:prstGeom prst="rect">
-            <a:avLst/>
-          </a:prstGeom>
-        </p:spPr>
-      </p:pic>
+              <a:t>It can be played anytime and anywhere without having internet connection</a:t>
+            </a:r>
+            <a:endParaRPr lang="en-US" dirty="0"/>
+          </a:p>
+          <a:p>
+            <a:r>
+              <a:rPr lang="en-US" dirty="0" smtClean="0"/>
+              <a:t>Primes </a:t>
+            </a:r>
+            <a:r>
+              <a:rPr lang="en-US" dirty="0"/>
+              <a:t>him/ her to recognize patterns and spelling quirks that cannot be taught before they come up in </a:t>
+            </a:r>
+            <a:r>
+              <a:rPr lang="en-US" dirty="0" smtClean="0"/>
+              <a:t>context</a:t>
+            </a:r>
+          </a:p>
+          <a:p>
+            <a:r>
+              <a:rPr lang="en-US" dirty="0"/>
+              <a:t>C</a:t>
+            </a:r>
+            <a:r>
+              <a:rPr lang="en-US" dirty="0" smtClean="0"/>
+              <a:t>an </a:t>
+            </a:r>
+            <a:r>
+              <a:rPr lang="en-US" dirty="0"/>
+              <a:t>help in learn more and more </a:t>
+            </a:r>
+            <a:r>
+              <a:rPr lang="en-US" dirty="0" smtClean="0"/>
+              <a:t>words</a:t>
+            </a:r>
+          </a:p>
+          <a:p>
+            <a:r>
+              <a:rPr lang="en-US" dirty="0"/>
+              <a:t>P</a:t>
+            </a:r>
+            <a:r>
+              <a:rPr lang="en-US" dirty="0" smtClean="0"/>
+              <a:t>rovides </a:t>
+            </a:r>
+            <a:r>
+              <a:rPr lang="en-US" dirty="0"/>
+              <a:t>exercise to the brain, increase thinking power </a:t>
+            </a:r>
+          </a:p>
+          <a:p>
+            <a:r>
+              <a:rPr lang="en-US" dirty="0" smtClean="0"/>
+              <a:t>Improves </a:t>
+            </a:r>
+            <a:r>
+              <a:rPr lang="en-US" dirty="0"/>
+              <a:t>the working of the brain and response </a:t>
+            </a:r>
+            <a:r>
+              <a:rPr lang="en-US" dirty="0" smtClean="0"/>
+              <a:t>time</a:t>
+            </a:r>
+          </a:p>
+          <a:p>
+            <a:r>
+              <a:rPr lang="en-US" dirty="0" smtClean="0"/>
+              <a:t> </a:t>
+            </a:r>
+            <a:r>
+              <a:rPr lang="en-US" dirty="0"/>
+              <a:t>Spelling </a:t>
+            </a:r>
+            <a:r>
+              <a:rPr lang="en-US" dirty="0" smtClean="0"/>
+              <a:t>improvement</a:t>
+            </a:r>
+            <a:endParaRPr lang="en-US" dirty="0"/>
+          </a:p>
+        </p:txBody>
+      </p:sp>
     </p:spTree>
     <p:extLst>
       <p:ext uri="{BB962C8B-B14F-4D97-AF65-F5344CB8AC3E}">
-        <p14:creationId xmlns:p14="http://schemas.microsoft.com/office/powerpoint/2010/main" val="4261510854"/>
+        <p14:creationId xmlns:p14="http://schemas.microsoft.com/office/powerpoint/2010/main" val="3863370807"/>
       </p:ext>
     </p:extLst>
   </p:cSld>
@@ -6408,152 +6376,109 @@
       <p:sp>
         <p:nvSpPr>
           <p:cNvPr id="2" name="Title 1"/>
-          <p:cNvSpPr txBox="1">
-            <a:spLocks/>
-          </p:cNvSpPr>
-          <p:nvPr/>
+          <p:cNvSpPr>
+            <a:spLocks noGrp="1"/>
+          </p:cNvSpPr>
+          <p:nvPr>
+            <p:ph type="title"/>
+          </p:nvPr>
+        </p:nvSpPr>
+        <p:spPr/>
+        <p:txBody>
+          <a:bodyPr/>
+          <a:lstStyle/>
+          <a:p>
+            <a:r>
+              <a:rPr lang="en-US" dirty="0" smtClean="0"/>
+              <a:t>Testing</a:t>
+            </a:r>
+            <a:endParaRPr lang="en-US" dirty="0"/>
+          </a:p>
+        </p:txBody>
+      </p:sp>
+      <p:sp>
+        <p:nvSpPr>
+          <p:cNvPr id="3" name="Content Placeholder 2"/>
+          <p:cNvSpPr>
+            <a:spLocks noGrp="1"/>
+          </p:cNvSpPr>
+          <p:nvPr>
+            <p:ph idx="1"/>
+          </p:nvPr>
         </p:nvSpPr>
         <p:spPr>
           <a:xfrm>
-            <a:off x="712096" y="685920"/>
-            <a:ext cx="2494744" cy="730758"/>
+            <a:off x="1295401" y="2556932"/>
+            <a:ext cx="9986492" cy="3547654"/>
           </a:xfrm>
-          <a:prstGeom prst="rect">
-            <a:avLst/>
-          </a:prstGeom>
         </p:spPr>
         <p:txBody>
           <a:bodyPr>
-            <a:normAutofit fontScale="75000" lnSpcReduction="20000"/>
+            <a:normAutofit fontScale="85000" lnSpcReduction="20000"/>
           </a:bodyPr>
-          <a:lstStyle>
-            <a:lvl1pPr algn="ctr" defTabSz="457200" rtl="0" eaLnBrk="1" latinLnBrk="0" hangingPunct="1">
-              <a:spcBef>
-                <a:spcPct val="0"/>
-              </a:spcBef>
-              <a:buNone/>
-              <a:defRPr sz="4400" kern="1200" cap="none">
-                <a:ln w="3175" cmpd="sng">
-                  <a:noFill/>
-                </a:ln>
-                <a:solidFill>
-                  <a:schemeClr val="tx1">
-                    <a:lumMod val="85000"/>
-                    <a:lumOff val="15000"/>
-                  </a:schemeClr>
-                </a:solidFill>
-                <a:effectLst/>
-                <a:latin typeface="+mj-lt"/>
-                <a:ea typeface="+mj-ea"/>
-                <a:cs typeface="+mj-cs"/>
-              </a:defRPr>
-            </a:lvl1pPr>
-            <a:lvl2pPr eaLnBrk="1" hangingPunct="1">
-              <a:defRPr>
-                <a:solidFill>
-                  <a:schemeClr val="tx2"/>
-                </a:solidFill>
-              </a:defRPr>
-            </a:lvl2pPr>
-            <a:lvl3pPr eaLnBrk="1" hangingPunct="1">
-              <a:defRPr>
-                <a:solidFill>
-                  <a:schemeClr val="tx2"/>
-                </a:solidFill>
-              </a:defRPr>
-            </a:lvl3pPr>
-            <a:lvl4pPr eaLnBrk="1" hangingPunct="1">
-              <a:defRPr>
-                <a:solidFill>
-                  <a:schemeClr val="tx2"/>
-                </a:solidFill>
-              </a:defRPr>
-            </a:lvl4pPr>
-            <a:lvl5pPr eaLnBrk="1" hangingPunct="1">
-              <a:defRPr>
-                <a:solidFill>
-                  <a:schemeClr val="tx2"/>
-                </a:solidFill>
-              </a:defRPr>
-            </a:lvl5pPr>
-            <a:lvl6pPr eaLnBrk="1" hangingPunct="1">
-              <a:defRPr>
-                <a:solidFill>
-                  <a:schemeClr val="tx2"/>
-                </a:solidFill>
-              </a:defRPr>
-            </a:lvl6pPr>
-            <a:lvl7pPr eaLnBrk="1" hangingPunct="1">
-              <a:defRPr>
-                <a:solidFill>
-                  <a:schemeClr val="tx2"/>
-                </a:solidFill>
-              </a:defRPr>
-            </a:lvl7pPr>
-            <a:lvl8pPr eaLnBrk="1" hangingPunct="1">
-              <a:defRPr>
-                <a:solidFill>
-                  <a:schemeClr val="tx2"/>
-                </a:solidFill>
-              </a:defRPr>
-            </a:lvl8pPr>
-            <a:lvl9pPr eaLnBrk="1" hangingPunct="1">
-              <a:defRPr>
-                <a:solidFill>
-                  <a:schemeClr val="tx2"/>
-                </a:solidFill>
-              </a:defRPr>
-            </a:lvl9pPr>
-          </a:lstStyle>
+          <a:lstStyle/>
           <a:p>
             <a:r>
               <a:rPr lang="en-US" dirty="0" smtClean="0"/>
-              <a:t>DFD- Level 0</a:t>
-            </a:r>
-            <a:endParaRPr lang="en-US" dirty="0"/>
-          </a:p>
-        </p:txBody>
-      </p:sp>
-      <p:pic>
-        <p:nvPicPr>
-          <p:cNvPr id="3" name="Picture 2"/>
-          <p:cNvPicPr>
-            <a:picLocks noChangeAspect="1"/>
-          </p:cNvPicPr>
-          <p:nvPr/>
-        </p:nvPicPr>
-        <p:blipFill>
-          <a:blip r:embed="rId2">
-            <a:extLst>
-              <a:ext uri="{28A0092B-C50C-407E-A947-70E740481C1C}">
-                <a14:useLocalDpi xmlns:a14="http://schemas.microsoft.com/office/drawing/2010/main" val="0"/>
-              </a:ext>
-            </a:extLst>
-          </a:blip>
-          <a:stretch>
-            <a:fillRect/>
-          </a:stretch>
-        </p:blipFill>
-        <p:spPr>
-          <a:xfrm>
-            <a:off x="511788" y="1416678"/>
-            <a:ext cx="11161499" cy="4434020"/>
-          </a:xfrm>
-          <a:prstGeom prst="rect">
-            <a:avLst/>
-          </a:prstGeom>
-        </p:spPr>
-      </p:pic>
+              <a:t>We tested the game in different phases:</a:t>
+            </a:r>
+          </a:p>
+          <a:p>
+            <a:r>
+              <a:rPr lang="en-US" dirty="0" smtClean="0"/>
+              <a:t>Entering name and levels into database and then starting the game</a:t>
+            </a:r>
+          </a:p>
+          <a:p>
+            <a:r>
+              <a:rPr lang="en-US" dirty="0" smtClean="0"/>
+              <a:t>Displaying “_” same as the length of the word which is taken randomly from a text file</a:t>
+            </a:r>
+          </a:p>
+          <a:p>
+            <a:r>
+              <a:rPr lang="en-US" dirty="0" smtClean="0"/>
+              <a:t>Selecting a character from virtual keyboard and the selected word to be omitted out from the virtual keyboard</a:t>
+            </a:r>
+          </a:p>
+          <a:p>
+            <a:r>
+              <a:rPr lang="en-US" dirty="0" smtClean="0"/>
+              <a:t>The replacing the selected letter with “_” if the letter present in the word , else it would take it as a count and would decrement the count of attempts</a:t>
+            </a:r>
+          </a:p>
+          <a:p>
+            <a:r>
+              <a:rPr lang="en-US" dirty="0" smtClean="0"/>
+              <a:t>With each decrement of attempt it shows an image and images goes on loop to show it as a part of animation until the attempts reaches its maximum capacity</a:t>
+            </a:r>
+          </a:p>
+          <a:p>
+            <a:r>
+              <a:rPr lang="en-US" dirty="0" smtClean="0"/>
+              <a:t>Play again option to go to the beginning of game</a:t>
+            </a:r>
+            <a:endParaRPr lang="en-US" dirty="0"/>
+          </a:p>
+        </p:txBody>
+      </p:sp>
     </p:spTree>
     <p:extLst>
       <p:ext uri="{BB962C8B-B14F-4D97-AF65-F5344CB8AC3E}">
-        <p14:creationId xmlns:p14="http://schemas.microsoft.com/office/powerpoint/2010/main" val="1612160557"/>
+        <p14:creationId xmlns:p14="http://schemas.microsoft.com/office/powerpoint/2010/main" val="1157065225"/>
       </p:ext>
     </p:extLst>
   </p:cSld>
   <p:clrMapOvr>
     <a:masterClrMapping/>
   </p:clrMapOvr>
+  <p:timing>
+    <p:tnLst>
+      <p:par>
+        <p:cTn id="1" dur="indefinite" restart="never" nodeType="tmRoot"/>
+      </p:par>
+    </p:tnLst>
+  </p:timing>
 </p:sld>
 </file>
 
@@ -6576,22 +6501,108 @@
       </p:grpSpPr>
       <p:sp>
         <p:nvSpPr>
-          <p:cNvPr id="2" name="Title 1"/>
-          <p:cNvSpPr>
-            <a:spLocks noGrp="1"/>
-          </p:cNvSpPr>
-          <p:nvPr>
-            <p:ph type="title"/>
-          </p:nvPr>
-        </p:nvSpPr>
-        <p:spPr/>
-        <p:txBody>
-          <a:bodyPr/>
-          <a:lstStyle/>
+          <p:cNvPr id="3" name="Title 1"/>
+          <p:cNvSpPr txBox="1">
+            <a:spLocks/>
+          </p:cNvSpPr>
+          <p:nvPr/>
+        </p:nvSpPr>
+        <p:spPr>
+          <a:xfrm>
+            <a:off x="712096" y="685920"/>
+            <a:ext cx="2494744" cy="730758"/>
+          </a:xfrm>
+          <a:prstGeom prst="rect">
+            <a:avLst/>
+          </a:prstGeom>
+        </p:spPr>
+        <p:txBody>
+          <a:bodyPr>
+            <a:normAutofit fontScale="97500" lnSpcReduction="10000"/>
+          </a:bodyPr>
+          <a:lstStyle>
+            <a:lvl1pPr algn="ctr" defTabSz="457200" rtl="0" eaLnBrk="1" latinLnBrk="0" hangingPunct="1">
+              <a:spcBef>
+                <a:spcPct val="0"/>
+              </a:spcBef>
+              <a:buNone/>
+              <a:defRPr sz="4400" kern="1200" cap="none">
+                <a:ln w="3175" cmpd="sng">
+                  <a:noFill/>
+                </a:ln>
+                <a:solidFill>
+                  <a:schemeClr val="tx1">
+                    <a:lumMod val="85000"/>
+                    <a:lumOff val="15000"/>
+                  </a:schemeClr>
+                </a:solidFill>
+                <a:effectLst/>
+                <a:latin typeface="+mj-lt"/>
+                <a:ea typeface="+mj-ea"/>
+                <a:cs typeface="+mj-cs"/>
+              </a:defRPr>
+            </a:lvl1pPr>
+            <a:lvl2pPr eaLnBrk="1" hangingPunct="1">
+              <a:defRPr>
+                <a:solidFill>
+                  <a:schemeClr val="tx2"/>
+                </a:solidFill>
+              </a:defRPr>
+            </a:lvl2pPr>
+            <a:lvl3pPr eaLnBrk="1" hangingPunct="1">
+              <a:defRPr>
+                <a:solidFill>
+                  <a:schemeClr val="tx2"/>
+                </a:solidFill>
+              </a:defRPr>
+            </a:lvl3pPr>
+            <a:lvl4pPr eaLnBrk="1" hangingPunct="1">
+              <a:defRPr>
+                <a:solidFill>
+                  <a:schemeClr val="tx2"/>
+                </a:solidFill>
+              </a:defRPr>
+            </a:lvl4pPr>
+            <a:lvl5pPr eaLnBrk="1" hangingPunct="1">
+              <a:defRPr>
+                <a:solidFill>
+                  <a:schemeClr val="tx2"/>
+                </a:solidFill>
+              </a:defRPr>
+            </a:lvl5pPr>
+            <a:lvl6pPr eaLnBrk="1" hangingPunct="1">
+              <a:defRPr>
+                <a:solidFill>
+                  <a:schemeClr val="tx2"/>
+                </a:solidFill>
+              </a:defRPr>
+            </a:lvl6pPr>
+            <a:lvl7pPr eaLnBrk="1" hangingPunct="1">
+              <a:defRPr>
+                <a:solidFill>
+                  <a:schemeClr val="tx2"/>
+                </a:solidFill>
+              </a:defRPr>
+            </a:lvl7pPr>
+            <a:lvl8pPr eaLnBrk="1" hangingPunct="1">
+              <a:defRPr>
+                <a:solidFill>
+                  <a:schemeClr val="tx2"/>
+                </a:solidFill>
+              </a:defRPr>
+            </a:lvl8pPr>
+            <a:lvl9pPr eaLnBrk="1" hangingPunct="1">
+              <a:defRPr>
+                <a:solidFill>
+                  <a:schemeClr val="tx2"/>
+                </a:solidFill>
+              </a:defRPr>
+            </a:lvl9pPr>
+          </a:lstStyle>
           <a:p>
             <a:r>
               <a:rPr lang="en-US" dirty="0" smtClean="0"/>
-              <a:t>Database Structure</a:t>
+              <a:t>Flowchart</a:t>
             </a:r>
             <a:endParaRPr lang="en-US" dirty="0"/>
           </a:p>
@@ -6599,13 +6610,11 @@
       </p:sp>
       <p:pic>
         <p:nvPicPr>
-          <p:cNvPr id="7" name="Content Placeholder 6"/>
+          <p:cNvPr id="4" name="Picture 3"/>
           <p:cNvPicPr>
-            <a:picLocks noGrp="1" noChangeAspect="1"/>
+            <a:picLocks noChangeAspect="1"/>
           </p:cNvPicPr>
-          <p:nvPr>
-            <p:ph idx="1"/>
-          </p:nvPr>
+          <p:nvPr/>
         </p:nvPicPr>
         <p:blipFill>
           <a:blip r:embed="rId2">
@@ -6621,15 +6630,18 @@
         </p:blipFill>
         <p:spPr>
           <a:xfrm>
-            <a:off x="1970890" y="2871990"/>
-            <a:ext cx="8623728" cy="1674252"/>
+            <a:off x="7024617" y="540912"/>
+            <a:ext cx="4736749" cy="6858000"/>
           </a:xfrm>
+          <a:prstGeom prst="rect">
+            <a:avLst/>
+          </a:prstGeom>
         </p:spPr>
       </p:pic>
     </p:spTree>
     <p:extLst>
       <p:ext uri="{BB962C8B-B14F-4D97-AF65-F5344CB8AC3E}">
-        <p14:creationId xmlns:p14="http://schemas.microsoft.com/office/powerpoint/2010/main" val="1584740967"/>
+        <p14:creationId xmlns:p14="http://schemas.microsoft.com/office/powerpoint/2010/main" val="4261510854"/>
       </p:ext>
     </p:extLst>
   </p:cSld>
@@ -6663,6 +6675,489 @@
           <a:chExt cx="0" cy="0"/>
         </a:xfrm>
       </p:grpSpPr>
+      <p:sp>
+        <p:nvSpPr>
+          <p:cNvPr id="2" name="Title 1"/>
+          <p:cNvSpPr txBox="1">
+            <a:spLocks/>
+          </p:cNvSpPr>
+          <p:nvPr/>
+        </p:nvSpPr>
+        <p:spPr>
+          <a:xfrm>
+            <a:off x="712096" y="685920"/>
+            <a:ext cx="2494744" cy="730758"/>
+          </a:xfrm>
+          <a:prstGeom prst="rect">
+            <a:avLst/>
+          </a:prstGeom>
+        </p:spPr>
+        <p:txBody>
+          <a:bodyPr>
+            <a:normAutofit fontScale="75000" lnSpcReduction="20000"/>
+          </a:bodyPr>
+          <a:lstStyle>
+            <a:lvl1pPr algn="ctr" defTabSz="457200" rtl="0" eaLnBrk="1" latinLnBrk="0" hangingPunct="1">
+              <a:spcBef>
+                <a:spcPct val="0"/>
+              </a:spcBef>
+              <a:buNone/>
+              <a:defRPr sz="4400" kern="1200" cap="none">
+                <a:ln w="3175" cmpd="sng">
+                  <a:noFill/>
+                </a:ln>
+                <a:solidFill>
+                  <a:schemeClr val="tx1">
+                    <a:lumMod val="85000"/>
+                    <a:lumOff val="15000"/>
+                  </a:schemeClr>
+                </a:solidFill>
+                <a:effectLst/>
+                <a:latin typeface="+mj-lt"/>
+                <a:ea typeface="+mj-ea"/>
+                <a:cs typeface="+mj-cs"/>
+              </a:defRPr>
+            </a:lvl1pPr>
+            <a:lvl2pPr eaLnBrk="1" hangingPunct="1">
+              <a:defRPr>
+                <a:solidFill>
+                  <a:schemeClr val="tx2"/>
+                </a:solidFill>
+              </a:defRPr>
+            </a:lvl2pPr>
+            <a:lvl3pPr eaLnBrk="1" hangingPunct="1">
+              <a:defRPr>
+                <a:solidFill>
+                  <a:schemeClr val="tx2"/>
+                </a:solidFill>
+              </a:defRPr>
+            </a:lvl3pPr>
+            <a:lvl4pPr eaLnBrk="1" hangingPunct="1">
+              <a:defRPr>
+                <a:solidFill>
+                  <a:schemeClr val="tx2"/>
+                </a:solidFill>
+              </a:defRPr>
+            </a:lvl4pPr>
+            <a:lvl5pPr eaLnBrk="1" hangingPunct="1">
+              <a:defRPr>
+                <a:solidFill>
+                  <a:schemeClr val="tx2"/>
+                </a:solidFill>
+              </a:defRPr>
+            </a:lvl5pPr>
+            <a:lvl6pPr eaLnBrk="1" hangingPunct="1">
+              <a:defRPr>
+                <a:solidFill>
+                  <a:schemeClr val="tx2"/>
+                </a:solidFill>
+              </a:defRPr>
+            </a:lvl6pPr>
+            <a:lvl7pPr eaLnBrk="1" hangingPunct="1">
+              <a:defRPr>
+                <a:solidFill>
+                  <a:schemeClr val="tx2"/>
+                </a:solidFill>
+              </a:defRPr>
+            </a:lvl7pPr>
+            <a:lvl8pPr eaLnBrk="1" hangingPunct="1">
+              <a:defRPr>
+                <a:solidFill>
+                  <a:schemeClr val="tx2"/>
+                </a:solidFill>
+              </a:defRPr>
+            </a:lvl8pPr>
+            <a:lvl9pPr eaLnBrk="1" hangingPunct="1">
+              <a:defRPr>
+                <a:solidFill>
+                  <a:schemeClr val="tx2"/>
+                </a:solidFill>
+              </a:defRPr>
+            </a:lvl9pPr>
+          </a:lstStyle>
+          <a:p>
+            <a:r>
+              <a:rPr lang="en-US" dirty="0" smtClean="0"/>
+              <a:t>DFD- Level 0</a:t>
+            </a:r>
+            <a:endParaRPr lang="en-US" dirty="0"/>
+          </a:p>
+        </p:txBody>
+      </p:sp>
+      <p:pic>
+        <p:nvPicPr>
+          <p:cNvPr id="3" name="Picture 2"/>
+          <p:cNvPicPr>
+            <a:picLocks noChangeAspect="1"/>
+          </p:cNvPicPr>
+          <p:nvPr/>
+        </p:nvPicPr>
+        <p:blipFill>
+          <a:blip r:embed="rId2">
+            <a:extLst>
+              <a:ext uri="{28A0092B-C50C-407E-A947-70E740481C1C}">
+                <a14:useLocalDpi xmlns:a14="http://schemas.microsoft.com/office/drawing/2010/main" val="0"/>
+              </a:ext>
+            </a:extLst>
+          </a:blip>
+          <a:stretch>
+            <a:fillRect/>
+          </a:stretch>
+        </p:blipFill>
+        <p:spPr>
+          <a:xfrm>
+            <a:off x="476518" y="1006630"/>
+            <a:ext cx="11217499" cy="4844739"/>
+          </a:xfrm>
+          <a:prstGeom prst="rect">
+            <a:avLst/>
+          </a:prstGeom>
+        </p:spPr>
+      </p:pic>
+    </p:spTree>
+    <p:extLst>
+      <p:ext uri="{BB962C8B-B14F-4D97-AF65-F5344CB8AC3E}">
+        <p14:creationId xmlns:p14="http://schemas.microsoft.com/office/powerpoint/2010/main" val="1612160557"/>
+      </p:ext>
+    </p:extLst>
+  </p:cSld>
+  <p:clrMapOvr>
+    <a:masterClrMapping/>
+  </p:clrMapOvr>
+</p:sld>
+</file>
+
+<file path=ppt/slides/slide15.xml><?xml version="1.0" encoding="utf-8"?>
+<p:sld xmlns:a="http://schemas.openxmlformats.org/drawingml/2006/main" xmlns:r="http://schemas.openxmlformats.org/officeDocument/2006/relationships" xmlns:p="http://schemas.openxmlformats.org/presentationml/2006/main">
+  <p:cSld>
+    <p:spTree>
+      <p:nvGrpSpPr>
+        <p:cNvPr id="1" name=""/>
+        <p:cNvGrpSpPr/>
+        <p:nvPr/>
+      </p:nvGrpSpPr>
+      <p:grpSpPr>
+        <a:xfrm>
+          <a:off x="0" y="0"/>
+          <a:ext cx="0" cy="0"/>
+          <a:chOff x="0" y="0"/>
+          <a:chExt cx="0" cy="0"/>
+        </a:xfrm>
+      </p:grpSpPr>
+      <p:pic>
+        <p:nvPicPr>
+          <p:cNvPr id="2" name="Picture 1"/>
+          <p:cNvPicPr>
+            <a:picLocks noChangeAspect="1"/>
+          </p:cNvPicPr>
+          <p:nvPr/>
+        </p:nvPicPr>
+        <p:blipFill rotWithShape="1">
+          <a:blip r:embed="rId2">
+            <a:extLst>
+              <a:ext uri="{28A0092B-C50C-407E-A947-70E740481C1C}">
+                <a14:useLocalDpi xmlns:a14="http://schemas.microsoft.com/office/drawing/2010/main" val="0"/>
+              </a:ext>
+            </a:extLst>
+          </a:blip>
+          <a:srcRect l="17747" t="30959" r="16232" b="58886"/>
+          <a:stretch/>
+        </p:blipFill>
+        <p:spPr>
+          <a:xfrm>
+            <a:off x="886101" y="1653294"/>
+            <a:ext cx="10434273" cy="901521"/>
+          </a:xfrm>
+          <a:prstGeom prst="rect">
+            <a:avLst/>
+          </a:prstGeom>
+        </p:spPr>
+      </p:pic>
+      <p:sp>
+        <p:nvSpPr>
+          <p:cNvPr id="3" name="TextBox 2"/>
+          <p:cNvSpPr txBox="1"/>
+          <p:nvPr/>
+        </p:nvSpPr>
+        <p:spPr>
+          <a:xfrm>
+            <a:off x="901520" y="1221667"/>
+            <a:ext cx="905056" cy="369332"/>
+          </a:xfrm>
+          <a:prstGeom prst="rect">
+            <a:avLst/>
+          </a:prstGeom>
+          <a:noFill/>
+        </p:spPr>
+        <p:txBody>
+          <a:bodyPr wrap="none" rtlCol="0">
+            <a:spAutoFit/>
+          </a:bodyPr>
+          <a:lstStyle/>
+          <a:p>
+            <a:r>
+              <a:rPr lang="en-US" dirty="0" smtClean="0"/>
+              <a:t>TABLE</a:t>
+            </a:r>
+            <a:endParaRPr lang="en-US" dirty="0"/>
+          </a:p>
+        </p:txBody>
+      </p:sp>
+      <p:sp>
+        <p:nvSpPr>
+          <p:cNvPr id="5" name="TextBox 4"/>
+          <p:cNvSpPr txBox="1"/>
+          <p:nvPr/>
+        </p:nvSpPr>
+        <p:spPr>
+          <a:xfrm>
+            <a:off x="864782" y="2643192"/>
+            <a:ext cx="1284519" cy="369332"/>
+          </a:xfrm>
+          <a:prstGeom prst="rect">
+            <a:avLst/>
+          </a:prstGeom>
+          <a:noFill/>
+        </p:spPr>
+        <p:txBody>
+          <a:bodyPr wrap="none" rtlCol="0">
+            <a:spAutoFit/>
+          </a:bodyPr>
+          <a:lstStyle/>
+          <a:p>
+            <a:r>
+              <a:rPr lang="en-US" dirty="0" smtClean="0"/>
+              <a:t>COLUMNS</a:t>
+            </a:r>
+            <a:endParaRPr lang="en-US" dirty="0"/>
+          </a:p>
+        </p:txBody>
+      </p:sp>
+      <p:pic>
+        <p:nvPicPr>
+          <p:cNvPr id="6" name="Picture 5"/>
+          <p:cNvPicPr>
+            <a:picLocks noChangeAspect="1"/>
+          </p:cNvPicPr>
+          <p:nvPr/>
+        </p:nvPicPr>
+        <p:blipFill rotWithShape="1">
+          <a:blip r:embed="rId3">
+            <a:extLst>
+              <a:ext uri="{28A0092B-C50C-407E-A947-70E740481C1C}">
+                <a14:useLocalDpi xmlns:a14="http://schemas.microsoft.com/office/drawing/2010/main" val="0"/>
+              </a:ext>
+            </a:extLst>
+          </a:blip>
+          <a:srcRect l="17430" t="27199" r="22781" b="61518"/>
+          <a:stretch/>
+        </p:blipFill>
+        <p:spPr>
+          <a:xfrm>
+            <a:off x="901520" y="3077446"/>
+            <a:ext cx="10242473" cy="1085774"/>
+          </a:xfrm>
+          <a:prstGeom prst="rect">
+            <a:avLst/>
+          </a:prstGeom>
+        </p:spPr>
+      </p:pic>
+      <p:sp>
+        <p:nvSpPr>
+          <p:cNvPr id="7" name="TextBox 6"/>
+          <p:cNvSpPr txBox="1"/>
+          <p:nvPr/>
+        </p:nvSpPr>
+        <p:spPr>
+          <a:xfrm>
+            <a:off x="901520" y="4155721"/>
+            <a:ext cx="3204467" cy="369332"/>
+          </a:xfrm>
+          <a:prstGeom prst="rect">
+            <a:avLst/>
+          </a:prstGeom>
+          <a:noFill/>
+        </p:spPr>
+        <p:txBody>
+          <a:bodyPr wrap="none" rtlCol="0">
+            <a:spAutoFit/>
+          </a:bodyPr>
+          <a:lstStyle/>
+          <a:p>
+            <a:r>
+              <a:rPr lang="en-US" dirty="0" smtClean="0"/>
+              <a:t>Sample output of stored database</a:t>
+            </a:r>
+            <a:endParaRPr lang="en-US" dirty="0"/>
+          </a:p>
+        </p:txBody>
+      </p:sp>
+      <p:pic>
+        <p:nvPicPr>
+          <p:cNvPr id="8" name="Picture 7"/>
+          <p:cNvPicPr>
+            <a:picLocks noChangeAspect="1"/>
+          </p:cNvPicPr>
+          <p:nvPr/>
+        </p:nvPicPr>
+        <p:blipFill rotWithShape="1">
+          <a:blip r:embed="rId4">
+            <a:extLst>
+              <a:ext uri="{28A0092B-C50C-407E-A947-70E740481C1C}">
+                <a14:useLocalDpi xmlns:a14="http://schemas.microsoft.com/office/drawing/2010/main" val="0"/>
+              </a:ext>
+            </a:extLst>
+          </a:blip>
+          <a:srcRect l="17535" t="51622" r="71219" b="31806"/>
+          <a:stretch/>
+        </p:blipFill>
+        <p:spPr>
+          <a:xfrm>
+            <a:off x="1017430" y="4550811"/>
+            <a:ext cx="1994838" cy="1651283"/>
+          </a:xfrm>
+          <a:prstGeom prst="rect">
+            <a:avLst/>
+          </a:prstGeom>
+        </p:spPr>
+      </p:pic>
+      <p:sp>
+        <p:nvSpPr>
+          <p:cNvPr id="10" name="Title 1"/>
+          <p:cNvSpPr txBox="1">
+            <a:spLocks/>
+          </p:cNvSpPr>
+          <p:nvPr/>
+        </p:nvSpPr>
+        <p:spPr>
+          <a:xfrm>
+            <a:off x="901520" y="541646"/>
+            <a:ext cx="9601196" cy="1303867"/>
+          </a:xfrm>
+          <a:prstGeom prst="rect">
+            <a:avLst/>
+          </a:prstGeom>
+        </p:spPr>
+        <p:txBody>
+          <a:bodyPr/>
+          <a:lstStyle>
+            <a:lvl1pPr algn="ctr" defTabSz="457200" rtl="0" eaLnBrk="1" latinLnBrk="0" hangingPunct="1">
+              <a:spcBef>
+                <a:spcPct val="0"/>
+              </a:spcBef>
+              <a:buNone/>
+              <a:defRPr sz="4400" kern="1200" cap="none">
+                <a:ln w="3175" cmpd="sng">
+                  <a:noFill/>
+                </a:ln>
+                <a:solidFill>
+                  <a:schemeClr val="tx1">
+                    <a:lumMod val="85000"/>
+                    <a:lumOff val="15000"/>
+                  </a:schemeClr>
+                </a:solidFill>
+                <a:effectLst/>
+                <a:latin typeface="+mj-lt"/>
+                <a:ea typeface="+mj-ea"/>
+                <a:cs typeface="+mj-cs"/>
+              </a:defRPr>
+            </a:lvl1pPr>
+            <a:lvl2pPr eaLnBrk="1" hangingPunct="1">
+              <a:defRPr>
+                <a:solidFill>
+                  <a:schemeClr val="tx2"/>
+                </a:solidFill>
+              </a:defRPr>
+            </a:lvl2pPr>
+            <a:lvl3pPr eaLnBrk="1" hangingPunct="1">
+              <a:defRPr>
+                <a:solidFill>
+                  <a:schemeClr val="tx2"/>
+                </a:solidFill>
+              </a:defRPr>
+            </a:lvl3pPr>
+            <a:lvl4pPr eaLnBrk="1" hangingPunct="1">
+              <a:defRPr>
+                <a:solidFill>
+                  <a:schemeClr val="tx2"/>
+                </a:solidFill>
+              </a:defRPr>
+            </a:lvl4pPr>
+            <a:lvl5pPr eaLnBrk="1" hangingPunct="1">
+              <a:defRPr>
+                <a:solidFill>
+                  <a:schemeClr val="tx2"/>
+                </a:solidFill>
+              </a:defRPr>
+            </a:lvl5pPr>
+            <a:lvl6pPr eaLnBrk="1" hangingPunct="1">
+              <a:defRPr>
+                <a:solidFill>
+                  <a:schemeClr val="tx2"/>
+                </a:solidFill>
+              </a:defRPr>
+            </a:lvl6pPr>
+            <a:lvl7pPr eaLnBrk="1" hangingPunct="1">
+              <a:defRPr>
+                <a:solidFill>
+                  <a:schemeClr val="tx2"/>
+                </a:solidFill>
+              </a:defRPr>
+            </a:lvl7pPr>
+            <a:lvl8pPr eaLnBrk="1" hangingPunct="1">
+              <a:defRPr>
+                <a:solidFill>
+                  <a:schemeClr val="tx2"/>
+                </a:solidFill>
+              </a:defRPr>
+            </a:lvl8pPr>
+            <a:lvl9pPr eaLnBrk="1" hangingPunct="1">
+              <a:defRPr>
+                <a:solidFill>
+                  <a:schemeClr val="tx2"/>
+                </a:solidFill>
+              </a:defRPr>
+            </a:lvl9pPr>
+          </a:lstStyle>
+          <a:p>
+            <a:r>
+              <a:rPr lang="en-US" smtClean="0"/>
+              <a:t>Database Structure</a:t>
+            </a:r>
+            <a:endParaRPr lang="en-US" dirty="0"/>
+          </a:p>
+        </p:txBody>
+      </p:sp>
+    </p:spTree>
+    <p:extLst>
+      <p:ext uri="{BB962C8B-B14F-4D97-AF65-F5344CB8AC3E}">
+        <p14:creationId xmlns:p14="http://schemas.microsoft.com/office/powerpoint/2010/main" val="802660918"/>
+      </p:ext>
+    </p:extLst>
+  </p:cSld>
+  <p:clrMapOvr>
+    <a:masterClrMapping/>
+  </p:clrMapOvr>
+</p:sld>
+</file>
+
+<file path=ppt/slides/slide16.xml><?xml version="1.0" encoding="utf-8"?>
+<p:sld xmlns:a="http://schemas.openxmlformats.org/drawingml/2006/main" xmlns:r="http://schemas.openxmlformats.org/officeDocument/2006/relationships" xmlns:p="http://schemas.openxmlformats.org/presentationml/2006/main">
+  <p:cSld>
+    <p:spTree>
+      <p:nvGrpSpPr>
+        <p:cNvPr id="1" name=""/>
+        <p:cNvGrpSpPr/>
+        <p:nvPr/>
+      </p:nvGrpSpPr>
+      <p:grpSpPr>
+        <a:xfrm>
+          <a:off x="0" y="0"/>
+          <a:ext cx="0" cy="0"/>
+          <a:chOff x="0" y="0"/>
+          <a:chExt cx="0" cy="0"/>
+        </a:xfrm>
+      </p:grpSpPr>
       <p:graphicFrame>
         <p:nvGraphicFramePr>
           <p:cNvPr id="2" name="Table 1"/>
@@ -6672,20 +7167,20 @@
           <p:nvPr>
             <p:extLst>
               <p:ext uri="{D42A27DB-BD31-4B8C-83A1-F6EECF244321}">
-                <p14:modId xmlns:p14="http://schemas.microsoft.com/office/powerpoint/2010/main" val="300536752"/>
+                <p14:modId xmlns:p14="http://schemas.microsoft.com/office/powerpoint/2010/main" val="33558262"/>
               </p:ext>
             </p:extLst>
           </p:nvPr>
         </p:nvGraphicFramePr>
         <p:xfrm>
           <a:off x="1908310" y="1744552"/>
-          <a:ext cx="7779028" cy="3304527"/>
+          <a:ext cx="7779028" cy="1975244"/>
         </p:xfrm>
         <a:graphic>
           <a:graphicData uri="http://schemas.openxmlformats.org/drawingml/2006/table">
             <a:tbl>
               <a:tblPr firstRow="1" firstCol="1" bandRow="1">
-                <a:tableStyleId>{5C22544A-7EE6-4342-B048-85BDC9FD1C3A}</a:tableStyleId>
+                <a:tableStyleId>{00A15C55-8517-42AA-B614-E9B94910E393}</a:tableStyleId>
               </a:tblPr>
               <a:tblGrid>
                 <a:gridCol w="1944757"/>
@@ -6711,12 +7206,12 @@
                         </a:spcAft>
                       </a:pPr>
                       <a:r>
-                        <a:rPr lang="en-US" sz="1500">
+                        <a:rPr lang="en-US" sz="1500" dirty="0">
                           <a:effectLst/>
                         </a:rPr>
                         <a:t>Column Name</a:t>
                       </a:r>
-                      <a:endParaRPr lang="en-US" sz="1100">
+                      <a:endParaRPr lang="en-US" sz="1100" dirty="0">
                         <a:effectLst/>
                         <a:latin typeface="Calibri" panose="020F0502020204030204" pitchFamily="34" charset="0"/>
                         <a:ea typeface="Calibri" panose="020F0502020204030204" pitchFamily="34" charset="0"/>
@@ -6905,12 +7400,12 @@
                         </a:spcAft>
                       </a:pPr>
                       <a:r>
-                        <a:rPr lang="en-US" sz="1400">
+                        <a:rPr lang="en-US" sz="1400" dirty="0" smtClean="0">
                           <a:effectLst/>
                         </a:rPr>
-                        <a:t>100</a:t>
+                        <a:t>11</a:t>
                       </a:r>
-                      <a:endParaRPr lang="en-US" sz="1100">
+                      <a:endParaRPr lang="en-US" sz="1100" dirty="0">
                         <a:effectLst/>
                         <a:latin typeface="Calibri" panose="020F0502020204030204" pitchFamily="34" charset="0"/>
                         <a:ea typeface="Calibri" panose="020F0502020204030204" pitchFamily="34" charset="0"/>
@@ -6937,142 +7432,24 @@
                         </a:spcAft>
                       </a:pPr>
                       <a:r>
-                        <a:rPr lang="en-US" sz="1400">
+                        <a:rPr lang="en-US" sz="1400" dirty="0" smtClean="0">
                           <a:effectLst/>
+                          <a:latin typeface="+mn-lt"/>
+                          <a:ea typeface="+mn-ea"/>
+                          <a:cs typeface="+mn-cs"/>
                         </a:rPr>
-                        <a:t>Primary key</a:t>
+                        <a:t>Not</a:t>
                       </a:r>
-                      <a:endParaRPr lang="en-US" sz="1100">
-                        <a:effectLst/>
-                        <a:latin typeface="Calibri" panose="020F0502020204030204" pitchFamily="34" charset="0"/>
-                        <a:ea typeface="Calibri" panose="020F0502020204030204" pitchFamily="34" charset="0"/>
-                        <a:cs typeface="Times New Roman" panose="02020603050405020304" pitchFamily="18" charset="0"/>
-                      </a:endParaRPr>
-                    </a:p>
-                  </a:txBody>
-                  <a:tcPr marL="68580" marR="68580" marT="0" marB="0"/>
-                </a:tc>
-              </a:tr>
-              <a:tr h="683322">
-                <a:tc>
-                  <a:txBody>
-                    <a:bodyPr/>
-                    <a:lstStyle/>
-                    <a:p>
-                      <a:pPr marL="0" marR="0">
-                        <a:lnSpc>
-                          <a:spcPct val="107000"/>
-                        </a:lnSpc>
-                        <a:spcBef>
-                          <a:spcPts val="0"/>
-                        </a:spcBef>
-                        <a:spcAft>
-                          <a:spcPts val="0"/>
-                        </a:spcAft>
-                      </a:pPr>
                       <a:r>
-                        <a:rPr lang="en-US" sz="1400">
+                        <a:rPr lang="en-US" sz="1400" baseline="0" dirty="0" smtClean="0">
                           <a:effectLst/>
+                          <a:latin typeface="+mn-lt"/>
+                          <a:ea typeface="+mn-ea"/>
+                          <a:cs typeface="+mn-cs"/>
                         </a:rPr>
-                        <a:t>question</a:t>
+                        <a:t> Null</a:t>
                       </a:r>
-                      <a:endParaRPr lang="en-US" sz="1100">
-                        <a:effectLst/>
-                        <a:latin typeface="Calibri" panose="020F0502020204030204" pitchFamily="34" charset="0"/>
-                        <a:ea typeface="Calibri" panose="020F0502020204030204" pitchFamily="34" charset="0"/>
-                        <a:cs typeface="Times New Roman" panose="02020603050405020304" pitchFamily="18" charset="0"/>
-                      </a:endParaRPr>
-                    </a:p>
-                  </a:txBody>
-                  <a:tcPr marL="68580" marR="68580" marT="0" marB="0"/>
-                </a:tc>
-                <a:tc>
-                  <a:txBody>
-                    <a:bodyPr/>
-                    <a:lstStyle/>
-                    <a:p>
-                      <a:pPr marL="0" marR="0">
-                        <a:lnSpc>
-                          <a:spcPct val="107000"/>
-                        </a:lnSpc>
-                        <a:spcBef>
-                          <a:spcPts val="0"/>
-                        </a:spcBef>
-                        <a:spcAft>
-                          <a:spcPts val="0"/>
-                        </a:spcAft>
-                      </a:pPr>
-                      <a:r>
-                        <a:rPr lang="en-US" sz="1400">
-                          <a:effectLst/>
-                        </a:rPr>
-                        <a:t>Varchar</a:t>
-                      </a:r>
-                      <a:endParaRPr lang="en-US" sz="1100">
-                        <a:effectLst/>
-                        <a:latin typeface="Calibri" panose="020F0502020204030204" pitchFamily="34" charset="0"/>
-                        <a:ea typeface="Calibri" panose="020F0502020204030204" pitchFamily="34" charset="0"/>
-                        <a:cs typeface="Times New Roman" panose="02020603050405020304" pitchFamily="18" charset="0"/>
-                      </a:endParaRPr>
-                    </a:p>
-                  </a:txBody>
-                  <a:tcPr marL="68580" marR="68580" marT="0" marB="0"/>
-                </a:tc>
-                <a:tc>
-                  <a:txBody>
-                    <a:bodyPr/>
-                    <a:lstStyle/>
-                    <a:p>
-                      <a:pPr marL="0" marR="0">
-                        <a:lnSpc>
-                          <a:spcPct val="107000"/>
-                        </a:lnSpc>
-                        <a:spcBef>
-                          <a:spcPts val="0"/>
-                        </a:spcBef>
-                        <a:spcAft>
-                          <a:spcPts val="0"/>
-                        </a:spcAft>
-                      </a:pPr>
-                      <a:r>
-                        <a:rPr lang="en-US" sz="1400">
-                          <a:effectLst/>
-                        </a:rPr>
-                        <a:t>100</a:t>
-                      </a:r>
-                      <a:endParaRPr lang="en-US" sz="1100">
-                        <a:effectLst/>
-                        <a:latin typeface="Calibri" panose="020F0502020204030204" pitchFamily="34" charset="0"/>
-                        <a:ea typeface="Calibri" panose="020F0502020204030204" pitchFamily="34" charset="0"/>
-                        <a:cs typeface="Times New Roman" panose="02020603050405020304" pitchFamily="18" charset="0"/>
-                      </a:endParaRPr>
-                    </a:p>
-                  </a:txBody>
-                  <a:tcPr marL="68580" marR="68580" marT="0" marB="0"/>
-                </a:tc>
-                <a:tc>
-                  <a:txBody>
-                    <a:bodyPr/>
-                    <a:lstStyle/>
-                    <a:p>
-                      <a:pPr marL="0" marR="0">
-                        <a:lnSpc>
-                          <a:spcPct val="107000"/>
-                        </a:lnSpc>
-                        <a:spcBef>
-                          <a:spcPts val="0"/>
-                        </a:spcBef>
-                        <a:spcAft>
-                          <a:spcPts val="0"/>
-                        </a:spcAft>
-                      </a:pPr>
-                      <a:r>
-                        <a:rPr lang="en-US" sz="1400">
-                          <a:effectLst/>
-                        </a:rPr>
-                        <a:t>Not null</a:t>
-                      </a:r>
-                      <a:endParaRPr lang="en-US" sz="1100">
+                      <a:endParaRPr lang="en-US" sz="1100" dirty="0">
                         <a:effectLst/>
                         <a:latin typeface="Calibri" panose="020F0502020204030204" pitchFamily="34" charset="0"/>
                         <a:ea typeface="Calibri" panose="020F0502020204030204" pitchFamily="34" charset="0"/>
@@ -7101,12 +7478,12 @@
                         </a:spcAft>
                       </a:pPr>
                       <a:r>
-                        <a:rPr lang="en-US" sz="1400">
+                        <a:rPr lang="en-US" sz="1400" dirty="0">
                           <a:effectLst/>
                         </a:rPr>
                         <a:t>level</a:t>
                       </a:r>
-                      <a:endParaRPr lang="en-US" sz="1100">
+                      <a:endParaRPr lang="en-US" sz="1100" dirty="0">
                         <a:effectLst/>
                         <a:latin typeface="Calibri" panose="020F0502020204030204" pitchFamily="34" charset="0"/>
                         <a:ea typeface="Calibri" panose="020F0502020204030204" pitchFamily="34" charset="0"/>
@@ -7133,12 +7510,15 @@
                         </a:spcAft>
                       </a:pPr>
                       <a:r>
-                        <a:rPr lang="en-US" sz="1400">
+                        <a:rPr lang="en-US" sz="1400" dirty="0" smtClean="0">
                           <a:effectLst/>
+                          <a:latin typeface="+mn-lt"/>
+                          <a:ea typeface="+mn-ea"/>
+                          <a:cs typeface="+mn-cs"/>
                         </a:rPr>
-                        <a:t>Varchar</a:t>
+                        <a:t>Integer</a:t>
                       </a:r>
-                      <a:endParaRPr lang="en-US" sz="1100">
+                      <a:endParaRPr lang="en-US" sz="1100" dirty="0">
                         <a:effectLst/>
                         <a:latin typeface="Calibri" panose="020F0502020204030204" pitchFamily="34" charset="0"/>
                         <a:ea typeface="Calibri" panose="020F0502020204030204" pitchFamily="34" charset="0"/>
@@ -7165,142 +7545,12 @@
                         </a:spcAft>
                       </a:pPr>
                       <a:r>
-                        <a:rPr lang="en-US" sz="1400">
-                          <a:effectLst/>
-                        </a:rPr>
-                        <a:t>100</a:t>
-                      </a:r>
-                      <a:endParaRPr lang="en-US" sz="1100">
-                        <a:effectLst/>
-                        <a:latin typeface="Calibri" panose="020F0502020204030204" pitchFamily="34" charset="0"/>
-                        <a:ea typeface="Calibri" panose="020F0502020204030204" pitchFamily="34" charset="0"/>
-                        <a:cs typeface="Times New Roman" panose="02020603050405020304" pitchFamily="18" charset="0"/>
-                      </a:endParaRPr>
-                    </a:p>
-                  </a:txBody>
-                  <a:tcPr marL="68580" marR="68580" marT="0" marB="0"/>
-                </a:tc>
-                <a:tc>
-                  <a:txBody>
-                    <a:bodyPr/>
-                    <a:lstStyle/>
-                    <a:p>
-                      <a:pPr marL="0" marR="0">
-                        <a:lnSpc>
-                          <a:spcPct val="107000"/>
-                        </a:lnSpc>
-                        <a:spcBef>
-                          <a:spcPts val="0"/>
-                        </a:spcBef>
-                        <a:spcAft>
-                          <a:spcPts val="0"/>
-                        </a:spcAft>
-                      </a:pPr>
-                      <a:r>
-                        <a:rPr lang="en-US" sz="1400">
-                          <a:effectLst/>
-                        </a:rPr>
-                        <a:t>Not null</a:t>
-                      </a:r>
-                      <a:endParaRPr lang="en-US" sz="1100">
-                        <a:effectLst/>
-                        <a:latin typeface="Calibri" panose="020F0502020204030204" pitchFamily="34" charset="0"/>
-                        <a:ea typeface="Calibri" panose="020F0502020204030204" pitchFamily="34" charset="0"/>
-                        <a:cs typeface="Times New Roman" panose="02020603050405020304" pitchFamily="18" charset="0"/>
-                      </a:endParaRPr>
-                    </a:p>
-                  </a:txBody>
-                  <a:tcPr marL="68580" marR="68580" marT="0" marB="0"/>
-                </a:tc>
-              </a:tr>
-              <a:tr h="645961">
-                <a:tc>
-                  <a:txBody>
-                    <a:bodyPr/>
-                    <a:lstStyle/>
-                    <a:p>
-                      <a:pPr marL="0" marR="0">
-                        <a:lnSpc>
-                          <a:spcPct val="107000"/>
-                        </a:lnSpc>
-                        <a:spcBef>
-                          <a:spcPts val="0"/>
-                        </a:spcBef>
-                        <a:spcAft>
-                          <a:spcPts val="0"/>
-                        </a:spcAft>
-                      </a:pPr>
-                      <a:r>
-                        <a:rPr lang="en-US" sz="1400">
-                          <a:effectLst/>
-                        </a:rPr>
-                        <a:t>score</a:t>
-                      </a:r>
-                      <a:endParaRPr lang="en-US" sz="1100">
-                        <a:effectLst/>
-                        <a:latin typeface="Calibri" panose="020F0502020204030204" pitchFamily="34" charset="0"/>
-                        <a:ea typeface="Calibri" panose="020F0502020204030204" pitchFamily="34" charset="0"/>
-                        <a:cs typeface="Times New Roman" panose="02020603050405020304" pitchFamily="18" charset="0"/>
-                      </a:endParaRPr>
-                    </a:p>
-                  </a:txBody>
-                  <a:tcPr marL="68580" marR="68580" marT="0" marB="0"/>
-                </a:tc>
-                <a:tc>
-                  <a:txBody>
-                    <a:bodyPr/>
-                    <a:lstStyle/>
-                    <a:p>
-                      <a:pPr marL="0" marR="0">
-                        <a:lnSpc>
-                          <a:spcPct val="107000"/>
-                        </a:lnSpc>
-                        <a:spcBef>
-                          <a:spcPts val="0"/>
-                        </a:spcBef>
-                        <a:spcAft>
-                          <a:spcPts val="0"/>
-                        </a:spcAft>
-                      </a:pPr>
-                      <a:r>
-                        <a:rPr lang="en-US" sz="1400">
-                          <a:effectLst/>
-                        </a:rPr>
-                        <a:t>Int</a:t>
-                      </a:r>
-                      <a:endParaRPr lang="en-US" sz="1100">
-                        <a:effectLst/>
-                        <a:latin typeface="Calibri" panose="020F0502020204030204" pitchFamily="34" charset="0"/>
-                        <a:ea typeface="Calibri" panose="020F0502020204030204" pitchFamily="34" charset="0"/>
-                        <a:cs typeface="Times New Roman" panose="02020603050405020304" pitchFamily="18" charset="0"/>
-                      </a:endParaRPr>
-                    </a:p>
-                  </a:txBody>
-                  <a:tcPr marL="68580" marR="68580" marT="0" marB="0"/>
-                </a:tc>
-                <a:tc>
-                  <a:txBody>
-                    <a:bodyPr/>
-                    <a:lstStyle/>
-                    <a:p>
-                      <a:pPr marL="0" marR="0">
-                        <a:lnSpc>
-                          <a:spcPct val="107000"/>
-                        </a:lnSpc>
-                        <a:spcBef>
-                          <a:spcPts val="0"/>
-                        </a:spcBef>
-                        <a:spcAft>
-                          <a:spcPts val="0"/>
-                        </a:spcAft>
-                      </a:pPr>
-                      <a:r>
-                        <a:rPr lang="en-US" sz="1400">
+                        <a:rPr lang="en-US" sz="1400" dirty="0" smtClean="0">
                           <a:effectLst/>
                         </a:rPr>
                         <a:t>11</a:t>
                       </a:r>
-                      <a:endParaRPr lang="en-US" sz="1100">
+                      <a:endParaRPr lang="en-US" sz="1100" dirty="0">
                         <a:effectLst/>
                         <a:latin typeface="Calibri" panose="020F0502020204030204" pitchFamily="34" charset="0"/>
                         <a:ea typeface="Calibri" panose="020F0502020204030204" pitchFamily="34" charset="0"/>
@@ -7435,8 +7685,17 @@
               <a:rPr lang="en-US" dirty="0">
                 <a:latin typeface="Algerian" panose="04020705040A02060702" pitchFamily="82" charset="0"/>
               </a:rPr>
-              <a:t>Database Name- Hangman</a:t>
-            </a:r>
+              <a:t>Database Name- </a:t>
+            </a:r>
+            <a:r>
+              <a:rPr lang="en-US" dirty="0" smtClean="0">
+                <a:latin typeface="Algerian" panose="04020705040A02060702" pitchFamily="82" charset="0"/>
+              </a:rPr>
+              <a:t>AD_PRO</a:t>
+            </a:r>
+            <a:endParaRPr lang="en-US" dirty="0">
+              <a:latin typeface="Algerian" panose="04020705040A02060702" pitchFamily="82" charset="0"/>
+            </a:endParaRPr>
           </a:p>
           <a:p>
             <a:r>
@@ -7468,7 +7727,222 @@
 </p:sld>
 </file>
 
-<file path=ppt/slides/slide15.xml><?xml version="1.0" encoding="utf-8"?>
+<file path=ppt/slides/slide17.xml><?xml version="1.0" encoding="utf-8"?>
+<p:sld xmlns:a="http://schemas.openxmlformats.org/drawingml/2006/main" xmlns:r="http://schemas.openxmlformats.org/officeDocument/2006/relationships" xmlns:p="http://schemas.openxmlformats.org/presentationml/2006/main">
+  <p:cSld>
+    <p:spTree>
+      <p:nvGrpSpPr>
+        <p:cNvPr id="1" name=""/>
+        <p:cNvGrpSpPr/>
+        <p:nvPr/>
+      </p:nvGrpSpPr>
+      <p:grpSpPr>
+        <a:xfrm>
+          <a:off x="0" y="0"/>
+          <a:ext cx="0" cy="0"/>
+          <a:chOff x="0" y="0"/>
+          <a:chExt cx="0" cy="0"/>
+        </a:xfrm>
+      </p:grpSpPr>
+      <p:sp>
+        <p:nvSpPr>
+          <p:cNvPr id="2" name="TextBox 1"/>
+          <p:cNvSpPr txBox="1"/>
+          <p:nvPr/>
+        </p:nvSpPr>
+        <p:spPr>
+          <a:xfrm>
+            <a:off x="1059542" y="914401"/>
+            <a:ext cx="2165978" cy="461665"/>
+          </a:xfrm>
+          <a:prstGeom prst="rect">
+            <a:avLst/>
+          </a:prstGeom>
+          <a:noFill/>
+        </p:spPr>
+        <p:txBody>
+          <a:bodyPr wrap="none" rtlCol="0">
+            <a:spAutoFit/>
+          </a:bodyPr>
+          <a:lstStyle/>
+          <a:p>
+            <a:r>
+              <a:rPr lang="en-US" sz="2400" b="1" dirty="0" smtClean="0"/>
+              <a:t>Sample Output</a:t>
+            </a:r>
+            <a:endParaRPr lang="en-US" sz="2400" b="1" dirty="0"/>
+          </a:p>
+        </p:txBody>
+      </p:sp>
+      <p:pic>
+        <p:nvPicPr>
+          <p:cNvPr id="3" name="Picture 2"/>
+          <p:cNvPicPr/>
+          <p:nvPr/>
+        </p:nvPicPr>
+        <p:blipFill rotWithShape="1">
+          <a:blip r:embed="rId2"/>
+          <a:srcRect l="6287" t="9494" r="1893" b="25783"/>
+          <a:stretch/>
+        </p:blipFill>
+        <p:spPr>
+          <a:xfrm>
+            <a:off x="1059542" y="1376066"/>
+            <a:ext cx="6763658" cy="3123363"/>
+          </a:xfrm>
+          <a:prstGeom prst="rect">
+            <a:avLst/>
+          </a:prstGeom>
+        </p:spPr>
+      </p:pic>
+      <p:sp>
+        <p:nvSpPr>
+          <p:cNvPr id="4" name="TextBox 3"/>
+          <p:cNvSpPr txBox="1"/>
+          <p:nvPr/>
+        </p:nvSpPr>
+        <p:spPr>
+          <a:xfrm>
+            <a:off x="7823200" y="1506586"/>
+            <a:ext cx="3207657" cy="3785652"/>
+          </a:xfrm>
+          <a:prstGeom prst="rect">
+            <a:avLst/>
+          </a:prstGeom>
+          <a:noFill/>
+        </p:spPr>
+        <p:txBody>
+          <a:bodyPr wrap="square" rtlCol="0">
+            <a:spAutoFit/>
+          </a:bodyPr>
+          <a:lstStyle/>
+          <a:p>
+            <a:r>
+              <a:rPr lang="en-US" sz="2000" dirty="0" smtClean="0">
+                <a:latin typeface="Times New Roman" panose="02020603050405020304" pitchFamily="18" charset="0"/>
+                <a:cs typeface="Times New Roman" panose="02020603050405020304" pitchFamily="18" charset="0"/>
+              </a:rPr>
+              <a:t>Here “_” are representing the length of characters and correct guess are displayed at there respective places and wrong guess shows the character being hanged in the picture. And a option to play again , if user wants to play the game again. Lives represent the number of lives left.</a:t>
+            </a:r>
+          </a:p>
+          <a:p>
+            <a:endParaRPr lang="en-US" sz="2000" dirty="0">
+              <a:latin typeface="Times New Roman" panose="02020603050405020304" pitchFamily="18" charset="0"/>
+              <a:cs typeface="Times New Roman" panose="02020603050405020304" pitchFamily="18" charset="0"/>
+            </a:endParaRPr>
+          </a:p>
+        </p:txBody>
+      </p:sp>
+    </p:spTree>
+    <p:extLst>
+      <p:ext uri="{BB962C8B-B14F-4D97-AF65-F5344CB8AC3E}">
+        <p14:creationId xmlns:p14="http://schemas.microsoft.com/office/powerpoint/2010/main" val="2536984700"/>
+      </p:ext>
+    </p:extLst>
+  </p:cSld>
+  <p:clrMapOvr>
+    <a:masterClrMapping/>
+  </p:clrMapOvr>
+</p:sld>
+</file>
+
+<file path=ppt/slides/slide18.xml><?xml version="1.0" encoding="utf-8"?>
+<p:sld xmlns:a="http://schemas.openxmlformats.org/drawingml/2006/main" xmlns:r="http://schemas.openxmlformats.org/officeDocument/2006/relationships" xmlns:p="http://schemas.openxmlformats.org/presentationml/2006/main">
+  <p:cSld>
+    <p:spTree>
+      <p:nvGrpSpPr>
+        <p:cNvPr id="1" name=""/>
+        <p:cNvGrpSpPr/>
+        <p:nvPr/>
+      </p:nvGrpSpPr>
+      <p:grpSpPr>
+        <a:xfrm>
+          <a:off x="0" y="0"/>
+          <a:ext cx="0" cy="0"/>
+          <a:chOff x="0" y="0"/>
+          <a:chExt cx="0" cy="0"/>
+        </a:xfrm>
+      </p:grpSpPr>
+      <p:pic>
+        <p:nvPicPr>
+          <p:cNvPr id="2" name="Picture 1"/>
+          <p:cNvPicPr>
+            <a:picLocks noChangeAspect="1"/>
+          </p:cNvPicPr>
+          <p:nvPr/>
+        </p:nvPicPr>
+        <p:blipFill rotWithShape="1">
+          <a:blip r:embed="rId2"/>
+          <a:srcRect l="11906" t="11622" r="10476" b="18291"/>
+          <a:stretch/>
+        </p:blipFill>
+        <p:spPr>
+          <a:xfrm>
+            <a:off x="1175657" y="1698171"/>
+            <a:ext cx="8573122" cy="4352305"/>
+          </a:xfrm>
+          <a:prstGeom prst="rect">
+            <a:avLst/>
+          </a:prstGeom>
+        </p:spPr>
+      </p:pic>
+      <p:sp>
+        <p:nvSpPr>
+          <p:cNvPr id="3" name="TextBox 2"/>
+          <p:cNvSpPr txBox="1"/>
+          <p:nvPr/>
+        </p:nvSpPr>
+        <p:spPr>
+          <a:xfrm>
+            <a:off x="1175657" y="972457"/>
+            <a:ext cx="2598057" cy="461665"/>
+          </a:xfrm>
+          <a:prstGeom prst="rect">
+            <a:avLst/>
+          </a:prstGeom>
+          <a:noFill/>
+        </p:spPr>
+        <p:txBody>
+          <a:bodyPr wrap="square" rtlCol="0">
+            <a:spAutoFit/>
+          </a:bodyPr>
+          <a:lstStyle/>
+          <a:p>
+            <a:r>
+              <a:rPr lang="en-US" sz="2400" b="1" dirty="0" err="1" smtClean="0">
+                <a:latin typeface="Times New Roman" panose="02020603050405020304" pitchFamily="18" charset="0"/>
+                <a:cs typeface="Times New Roman" panose="02020603050405020304" pitchFamily="18" charset="0"/>
+              </a:rPr>
+              <a:t>Github</a:t>
+            </a:r>
+            <a:r>
+              <a:rPr lang="en-US" sz="2400" b="1" dirty="0" smtClean="0">
+                <a:latin typeface="Times New Roman" panose="02020603050405020304" pitchFamily="18" charset="0"/>
+                <a:cs typeface="Times New Roman" panose="02020603050405020304" pitchFamily="18" charset="0"/>
+              </a:rPr>
+              <a:t> Activity</a:t>
+            </a:r>
+            <a:endParaRPr lang="en-US" sz="2400" b="1" dirty="0">
+              <a:latin typeface="Times New Roman" panose="02020603050405020304" pitchFamily="18" charset="0"/>
+              <a:cs typeface="Times New Roman" panose="02020603050405020304" pitchFamily="18" charset="0"/>
+            </a:endParaRPr>
+          </a:p>
+        </p:txBody>
+      </p:sp>
+    </p:spTree>
+    <p:extLst>
+      <p:ext uri="{BB962C8B-B14F-4D97-AF65-F5344CB8AC3E}">
+        <p14:creationId xmlns:p14="http://schemas.microsoft.com/office/powerpoint/2010/main" val="1980554875"/>
+      </p:ext>
+    </p:extLst>
+  </p:cSld>
+  <p:clrMapOvr>
+    <a:masterClrMapping/>
+  </p:clrMapOvr>
+</p:sld>
+</file>
+
+<file path=ppt/slides/slide19.xml><?xml version="1.0" encoding="utf-8"?>
 <p:sld xmlns:a="http://schemas.openxmlformats.org/drawingml/2006/main" xmlns:r="http://schemas.openxmlformats.org/officeDocument/2006/relationships" xmlns:p="http://schemas.openxmlformats.org/presentationml/2006/main">
   <p:cSld>
     <p:spTree>
@@ -7554,7 +8028,685 @@
 </p:sld>
 </file>
 
-<file path=ppt/slides/slide16.xml><?xml version="1.0" encoding="utf-8"?>
+<file path=ppt/slides/slide2.xml><?xml version="1.0" encoding="utf-8"?>
+<p:sld xmlns:a="http://schemas.openxmlformats.org/drawingml/2006/main" xmlns:r="http://schemas.openxmlformats.org/officeDocument/2006/relationships" xmlns:p="http://schemas.openxmlformats.org/presentationml/2006/main">
+  <p:cSld>
+    <p:spTree>
+      <p:nvGrpSpPr>
+        <p:cNvPr id="1" name=""/>
+        <p:cNvGrpSpPr/>
+        <p:nvPr/>
+      </p:nvGrpSpPr>
+      <p:grpSpPr>
+        <a:xfrm>
+          <a:off x="0" y="0"/>
+          <a:ext cx="0" cy="0"/>
+          <a:chOff x="0" y="0"/>
+          <a:chExt cx="0" cy="0"/>
+        </a:xfrm>
+      </p:grpSpPr>
+      <p:sp>
+        <p:nvSpPr>
+          <p:cNvPr id="2" name="Title 1"/>
+          <p:cNvSpPr>
+            <a:spLocks noGrp="1"/>
+          </p:cNvSpPr>
+          <p:nvPr>
+            <p:ph type="title"/>
+          </p:nvPr>
+        </p:nvSpPr>
+        <p:spPr/>
+        <p:txBody>
+          <a:bodyPr/>
+          <a:lstStyle/>
+          <a:p>
+            <a:r>
+              <a:rPr lang="en-US" dirty="0" smtClean="0"/>
+              <a:t>Contents</a:t>
+            </a:r>
+            <a:endParaRPr lang="en-US" dirty="0"/>
+          </a:p>
+        </p:txBody>
+      </p:sp>
+      <p:sp>
+        <p:nvSpPr>
+          <p:cNvPr id="3" name="Content Placeholder 2"/>
+          <p:cNvSpPr>
+            <a:spLocks noGrp="1"/>
+          </p:cNvSpPr>
+          <p:nvPr>
+            <p:ph idx="1"/>
+          </p:nvPr>
+        </p:nvSpPr>
+        <p:spPr>
+          <a:xfrm>
+            <a:off x="1295400" y="2556932"/>
+            <a:ext cx="2710543" cy="3858382"/>
+          </a:xfrm>
+        </p:spPr>
+        <p:txBody>
+          <a:bodyPr>
+            <a:normAutofit fontScale="85000" lnSpcReduction="10000"/>
+          </a:bodyPr>
+          <a:lstStyle/>
+          <a:p>
+            <a:r>
+              <a:rPr lang="en-US" dirty="0" smtClean="0"/>
+              <a:t>Introduction</a:t>
+            </a:r>
+          </a:p>
+          <a:p>
+            <a:r>
+              <a:rPr lang="en-US" dirty="0" smtClean="0"/>
+              <a:t>System Requirements</a:t>
+            </a:r>
+          </a:p>
+          <a:p>
+            <a:r>
+              <a:rPr lang="en-US" dirty="0" smtClean="0"/>
+              <a:t>Modules</a:t>
+            </a:r>
+          </a:p>
+          <a:p>
+            <a:r>
+              <a:rPr lang="en-US" dirty="0" smtClean="0"/>
+              <a:t>Problem Statements</a:t>
+            </a:r>
+          </a:p>
+          <a:p>
+            <a:r>
+              <a:rPr lang="en-US" dirty="0" smtClean="0"/>
+              <a:t>Solution</a:t>
+            </a:r>
+          </a:p>
+          <a:p>
+            <a:r>
+              <a:rPr lang="en-US" dirty="0" smtClean="0"/>
+              <a:t>Languages used</a:t>
+            </a:r>
+          </a:p>
+          <a:p>
+            <a:r>
+              <a:rPr lang="en-US" dirty="0" smtClean="0"/>
+              <a:t>Rules of the game</a:t>
+            </a:r>
+          </a:p>
+          <a:p>
+            <a:r>
+              <a:rPr lang="en-US" dirty="0" smtClean="0"/>
+              <a:t>Advantage</a:t>
+            </a:r>
+          </a:p>
+          <a:p>
+            <a:r>
+              <a:rPr lang="en-US" dirty="0"/>
+              <a:t>Testing</a:t>
+            </a:r>
+          </a:p>
+          <a:p>
+            <a:endParaRPr lang="en-US" dirty="0" smtClean="0"/>
+          </a:p>
+          <a:p>
+            <a:endParaRPr lang="en-US" dirty="0"/>
+          </a:p>
+        </p:txBody>
+      </p:sp>
+      <p:sp>
+        <p:nvSpPr>
+          <p:cNvPr id="6" name="Content Placeholder 2"/>
+          <p:cNvSpPr txBox="1">
+            <a:spLocks/>
+          </p:cNvSpPr>
+          <p:nvPr/>
+        </p:nvSpPr>
+        <p:spPr>
+          <a:xfrm>
+            <a:off x="7805058" y="2556932"/>
+            <a:ext cx="2688772" cy="3858382"/>
+          </a:xfrm>
+          <a:prstGeom prst="rect">
+            <a:avLst/>
+          </a:prstGeom>
+        </p:spPr>
+        <p:txBody>
+          <a:bodyPr vert="horz" lIns="91440" tIns="45720" rIns="91440" bIns="45720" rtlCol="0" anchor="t">
+            <a:normAutofit fontScale="92500" lnSpcReduction="20000"/>
+          </a:bodyPr>
+          <a:lstStyle>
+            <a:lvl1pPr marL="285750" indent="-285750" algn="l" defTabSz="457200" rtl="0" eaLnBrk="1" latinLnBrk="0" hangingPunct="1">
+              <a:spcBef>
+                <a:spcPct val="20000"/>
+              </a:spcBef>
+              <a:spcAft>
+                <a:spcPts val="600"/>
+              </a:spcAft>
+              <a:buClr>
+                <a:schemeClr val="accent1"/>
+              </a:buClr>
+              <a:buSzPct val="115000"/>
+              <a:buFont typeface="Arial"/>
+              <a:buChar char="•"/>
+              <a:defRPr sz="2400" kern="1200" cap="none">
+                <a:solidFill>
+                  <a:schemeClr val="tx1">
+                    <a:lumMod val="85000"/>
+                    <a:lumOff val="15000"/>
+                  </a:schemeClr>
+                </a:solidFill>
+                <a:effectLst/>
+                <a:latin typeface="+mn-lt"/>
+                <a:ea typeface="+mn-ea"/>
+                <a:cs typeface="+mn-cs"/>
+              </a:defRPr>
+            </a:lvl1pPr>
+            <a:lvl2pPr marL="742950" indent="-285750" algn="l" defTabSz="457200" rtl="0" eaLnBrk="1" latinLnBrk="0" hangingPunct="1">
+              <a:spcBef>
+                <a:spcPct val="20000"/>
+              </a:spcBef>
+              <a:spcAft>
+                <a:spcPts val="600"/>
+              </a:spcAft>
+              <a:buClr>
+                <a:schemeClr val="accent1"/>
+              </a:buClr>
+              <a:buSzPct val="115000"/>
+              <a:buFont typeface="Arial"/>
+              <a:buChar char="•"/>
+              <a:defRPr sz="2000" kern="1200" cap="none">
+                <a:solidFill>
+                  <a:schemeClr val="tx1">
+                    <a:lumMod val="85000"/>
+                    <a:lumOff val="15000"/>
+                  </a:schemeClr>
+                </a:solidFill>
+                <a:effectLst/>
+                <a:latin typeface="+mn-lt"/>
+                <a:ea typeface="+mn-ea"/>
+                <a:cs typeface="+mn-cs"/>
+              </a:defRPr>
+            </a:lvl2pPr>
+            <a:lvl3pPr marL="1200150" indent="-285750" algn="l" defTabSz="457200" rtl="0" eaLnBrk="1" latinLnBrk="0" hangingPunct="1">
+              <a:spcBef>
+                <a:spcPct val="20000"/>
+              </a:spcBef>
+              <a:spcAft>
+                <a:spcPts val="600"/>
+              </a:spcAft>
+              <a:buClr>
+                <a:schemeClr val="accent1"/>
+              </a:buClr>
+              <a:buSzPct val="115000"/>
+              <a:buFont typeface="Arial"/>
+              <a:buChar char="•"/>
+              <a:defRPr sz="1800" kern="1200" cap="none">
+                <a:solidFill>
+                  <a:schemeClr val="tx1">
+                    <a:lumMod val="85000"/>
+                    <a:lumOff val="15000"/>
+                  </a:schemeClr>
+                </a:solidFill>
+                <a:effectLst/>
+                <a:latin typeface="+mn-lt"/>
+                <a:ea typeface="+mn-ea"/>
+                <a:cs typeface="+mn-cs"/>
+              </a:defRPr>
+            </a:lvl3pPr>
+            <a:lvl4pPr marL="1543050" indent="-171450" algn="l" defTabSz="457200" rtl="0" eaLnBrk="1" latinLnBrk="0" hangingPunct="1">
+              <a:spcBef>
+                <a:spcPct val="20000"/>
+              </a:spcBef>
+              <a:spcAft>
+                <a:spcPts val="600"/>
+              </a:spcAft>
+              <a:buClr>
+                <a:schemeClr val="accent1"/>
+              </a:buClr>
+              <a:buSzPct val="115000"/>
+              <a:buFont typeface="Arial"/>
+              <a:buChar char="•"/>
+              <a:defRPr sz="1600" kern="1200" cap="none">
+                <a:solidFill>
+                  <a:schemeClr val="tx1">
+                    <a:lumMod val="85000"/>
+                    <a:lumOff val="15000"/>
+                  </a:schemeClr>
+                </a:solidFill>
+                <a:effectLst/>
+                <a:latin typeface="+mn-lt"/>
+                <a:ea typeface="+mn-ea"/>
+                <a:cs typeface="+mn-cs"/>
+              </a:defRPr>
+            </a:lvl4pPr>
+            <a:lvl5pPr marL="2000250" indent="-171450" algn="l" defTabSz="457200" rtl="0" eaLnBrk="1" latinLnBrk="0" hangingPunct="1">
+              <a:spcBef>
+                <a:spcPct val="20000"/>
+              </a:spcBef>
+              <a:spcAft>
+                <a:spcPts val="600"/>
+              </a:spcAft>
+              <a:buClr>
+                <a:schemeClr val="accent1"/>
+              </a:buClr>
+              <a:buSzPct val="115000"/>
+              <a:buFont typeface="Arial"/>
+              <a:buChar char="•"/>
+              <a:defRPr sz="1400" kern="1200" cap="none">
+                <a:solidFill>
+                  <a:schemeClr val="tx1">
+                    <a:lumMod val="85000"/>
+                    <a:lumOff val="15000"/>
+                  </a:schemeClr>
+                </a:solidFill>
+                <a:effectLst/>
+                <a:latin typeface="+mn-lt"/>
+                <a:ea typeface="+mn-ea"/>
+                <a:cs typeface="+mn-cs"/>
+              </a:defRPr>
+            </a:lvl5pPr>
+            <a:lvl6pPr marL="2514600" indent="-228600" algn="l" defTabSz="457200" rtl="0" eaLnBrk="1" latinLnBrk="0" hangingPunct="1">
+              <a:spcBef>
+                <a:spcPct val="20000"/>
+              </a:spcBef>
+              <a:spcAft>
+                <a:spcPts val="600"/>
+              </a:spcAft>
+              <a:buClr>
+                <a:schemeClr val="accent1"/>
+              </a:buClr>
+              <a:buSzPct val="115000"/>
+              <a:buFont typeface="Arial"/>
+              <a:buChar char="•"/>
+              <a:defRPr sz="1400" kern="1200" cap="none">
+                <a:solidFill>
+                  <a:schemeClr val="tx1">
+                    <a:lumMod val="85000"/>
+                    <a:lumOff val="15000"/>
+                  </a:schemeClr>
+                </a:solidFill>
+                <a:effectLst/>
+                <a:latin typeface="+mn-lt"/>
+                <a:ea typeface="+mn-ea"/>
+                <a:cs typeface="+mn-cs"/>
+              </a:defRPr>
+            </a:lvl6pPr>
+            <a:lvl7pPr marL="2971800" indent="-228600" algn="l" defTabSz="457200" rtl="0" eaLnBrk="1" latinLnBrk="0" hangingPunct="1">
+              <a:spcBef>
+                <a:spcPct val="20000"/>
+              </a:spcBef>
+              <a:spcAft>
+                <a:spcPts val="600"/>
+              </a:spcAft>
+              <a:buClr>
+                <a:schemeClr val="accent1"/>
+              </a:buClr>
+              <a:buSzPct val="115000"/>
+              <a:buFont typeface="Arial"/>
+              <a:buChar char="•"/>
+              <a:defRPr sz="1400" kern="1200" cap="none">
+                <a:solidFill>
+                  <a:schemeClr val="tx1">
+                    <a:lumMod val="85000"/>
+                    <a:lumOff val="15000"/>
+                  </a:schemeClr>
+                </a:solidFill>
+                <a:effectLst/>
+                <a:latin typeface="+mn-lt"/>
+                <a:ea typeface="+mn-ea"/>
+                <a:cs typeface="+mn-cs"/>
+              </a:defRPr>
+            </a:lvl7pPr>
+            <a:lvl8pPr marL="3429000" indent="-228600" algn="l" defTabSz="457200" rtl="0" eaLnBrk="1" latinLnBrk="0" hangingPunct="1">
+              <a:spcBef>
+                <a:spcPct val="20000"/>
+              </a:spcBef>
+              <a:spcAft>
+                <a:spcPts val="600"/>
+              </a:spcAft>
+              <a:buClr>
+                <a:schemeClr val="accent1"/>
+              </a:buClr>
+              <a:buSzPct val="115000"/>
+              <a:buFont typeface="Arial"/>
+              <a:buChar char="•"/>
+              <a:defRPr sz="1400" kern="1200" cap="none">
+                <a:solidFill>
+                  <a:schemeClr val="tx1">
+                    <a:lumMod val="85000"/>
+                    <a:lumOff val="15000"/>
+                  </a:schemeClr>
+                </a:solidFill>
+                <a:effectLst/>
+                <a:latin typeface="+mn-lt"/>
+                <a:ea typeface="+mn-ea"/>
+                <a:cs typeface="+mn-cs"/>
+              </a:defRPr>
+            </a:lvl8pPr>
+            <a:lvl9pPr marL="3886200" indent="-228600" algn="l" defTabSz="457200" rtl="0" eaLnBrk="1" latinLnBrk="0" hangingPunct="1">
+              <a:spcBef>
+                <a:spcPct val="20000"/>
+              </a:spcBef>
+              <a:spcAft>
+                <a:spcPts val="600"/>
+              </a:spcAft>
+              <a:buClr>
+                <a:schemeClr val="accent1"/>
+              </a:buClr>
+              <a:buSzPct val="115000"/>
+              <a:buFont typeface="Arial"/>
+              <a:buChar char="•"/>
+              <a:defRPr sz="1400" kern="1200" cap="none">
+                <a:solidFill>
+                  <a:schemeClr val="tx1">
+                    <a:lumMod val="85000"/>
+                    <a:lumOff val="15000"/>
+                  </a:schemeClr>
+                </a:solidFill>
+                <a:effectLst/>
+                <a:latin typeface="+mn-lt"/>
+                <a:ea typeface="+mn-ea"/>
+                <a:cs typeface="+mn-cs"/>
+              </a:defRPr>
+            </a:lvl9pPr>
+          </a:lstStyle>
+          <a:p>
+            <a:r>
+              <a:rPr lang="en-US" dirty="0" smtClean="0"/>
+              <a:t>Flowchart</a:t>
+            </a:r>
+            <a:endParaRPr lang="en-US" dirty="0"/>
+          </a:p>
+          <a:p>
+            <a:r>
+              <a:rPr lang="en-US" dirty="0" smtClean="0"/>
+              <a:t>DFD level-0</a:t>
+            </a:r>
+          </a:p>
+          <a:p>
+            <a:r>
+              <a:rPr lang="en-US" dirty="0" smtClean="0"/>
+              <a:t>Database Structure</a:t>
+            </a:r>
+          </a:p>
+          <a:p>
+            <a:r>
+              <a:rPr lang="en-US" dirty="0" smtClean="0"/>
+              <a:t>Sample Code</a:t>
+            </a:r>
+          </a:p>
+          <a:p>
+            <a:r>
+              <a:rPr lang="en-US" dirty="0" smtClean="0"/>
+              <a:t>Sample output</a:t>
+            </a:r>
+          </a:p>
+          <a:p>
+            <a:r>
+              <a:rPr lang="en-US" dirty="0" err="1" smtClean="0"/>
+              <a:t>Github</a:t>
+            </a:r>
+            <a:r>
+              <a:rPr lang="en-US" dirty="0" smtClean="0"/>
+              <a:t> Activity</a:t>
+            </a:r>
+          </a:p>
+          <a:p>
+            <a:r>
+              <a:rPr lang="en-US" dirty="0" smtClean="0"/>
+              <a:t>Trello Activities</a:t>
+            </a:r>
+          </a:p>
+          <a:p>
+            <a:r>
+              <a:rPr lang="en-US" dirty="0" smtClean="0"/>
+              <a:t>Future Scope</a:t>
+            </a:r>
+          </a:p>
+          <a:p>
+            <a:r>
+              <a:rPr lang="en-US" dirty="0" smtClean="0"/>
+              <a:t>References</a:t>
+            </a:r>
+          </a:p>
+          <a:p>
+            <a:endParaRPr lang="en-US" dirty="0"/>
+          </a:p>
+        </p:txBody>
+      </p:sp>
+    </p:spTree>
+    <p:extLst>
+      <p:ext uri="{BB962C8B-B14F-4D97-AF65-F5344CB8AC3E}">
+        <p14:creationId xmlns:p14="http://schemas.microsoft.com/office/powerpoint/2010/main" val="715529474"/>
+      </p:ext>
+    </p:extLst>
+  </p:cSld>
+  <p:clrMapOvr>
+    <a:masterClrMapping/>
+  </p:clrMapOvr>
+  <p:timing>
+    <p:tnLst>
+      <p:par>
+        <p:cTn id="1" dur="indefinite" restart="never" nodeType="tmRoot"/>
+      </p:par>
+    </p:tnLst>
+  </p:timing>
+</p:sld>
+</file>
+
+<file path=ppt/slides/slide20.xml><?xml version="1.0" encoding="utf-8"?>
+<p:sld xmlns:a="http://schemas.openxmlformats.org/drawingml/2006/main" xmlns:r="http://schemas.openxmlformats.org/officeDocument/2006/relationships" xmlns:p="http://schemas.openxmlformats.org/presentationml/2006/main">
+  <p:cSld>
+    <p:spTree>
+      <p:nvGrpSpPr>
+        <p:cNvPr id="1" name=""/>
+        <p:cNvGrpSpPr/>
+        <p:nvPr/>
+      </p:nvGrpSpPr>
+      <p:grpSpPr>
+        <a:xfrm>
+          <a:off x="0" y="0"/>
+          <a:ext cx="0" cy="0"/>
+          <a:chOff x="0" y="0"/>
+          <a:chExt cx="0" cy="0"/>
+        </a:xfrm>
+      </p:grpSpPr>
+      <p:sp>
+        <p:nvSpPr>
+          <p:cNvPr id="2" name="Title 1"/>
+          <p:cNvSpPr>
+            <a:spLocks noGrp="1"/>
+          </p:cNvSpPr>
+          <p:nvPr>
+            <p:ph type="title"/>
+          </p:nvPr>
+        </p:nvSpPr>
+        <p:spPr/>
+        <p:txBody>
+          <a:bodyPr/>
+          <a:lstStyle/>
+          <a:p>
+            <a:r>
+              <a:rPr lang="en-US" dirty="0" smtClean="0"/>
+              <a:t>Future Scopes</a:t>
+            </a:r>
+            <a:endParaRPr lang="en-US" dirty="0"/>
+          </a:p>
+        </p:txBody>
+      </p:sp>
+      <p:sp>
+        <p:nvSpPr>
+          <p:cNvPr id="3" name="Content Placeholder 2"/>
+          <p:cNvSpPr>
+            <a:spLocks noGrp="1"/>
+          </p:cNvSpPr>
+          <p:nvPr>
+            <p:ph idx="1"/>
+          </p:nvPr>
+        </p:nvSpPr>
+        <p:spPr/>
+        <p:txBody>
+          <a:bodyPr>
+            <a:normAutofit fontScale="92500" lnSpcReduction="10000"/>
+          </a:bodyPr>
+          <a:lstStyle/>
+          <a:p>
+            <a:r>
+              <a:rPr lang="en-US" dirty="0"/>
+              <a:t>This game can have varied applications in the context of word formations and </a:t>
+            </a:r>
+            <a:r>
+              <a:rPr lang="en-US" dirty="0" smtClean="0"/>
+              <a:t>puzzles. Its </a:t>
+            </a:r>
+            <a:r>
+              <a:rPr lang="en-US" dirty="0"/>
+              <a:t>knowledge can be valuable to many other games like CROSSWORD PUZZLES, WHEEL OF FORTUNE,SCRABBLE</a:t>
+            </a:r>
+            <a:r>
+              <a:rPr lang="en-US" dirty="0" smtClean="0"/>
+              <a:t>. We </a:t>
+            </a:r>
+            <a:r>
+              <a:rPr lang="en-US" dirty="0"/>
+              <a:t>can also have an investigation of very popular and commonly used letters in most of the words. Make a frequency distribution in graph out of it. The underlying mathematical concepts are Data Collection and Analysis</a:t>
+            </a:r>
+            <a:r>
+              <a:rPr lang="en-US" dirty="0" smtClean="0"/>
+              <a:t>, Presentation </a:t>
+            </a:r>
+            <a:r>
+              <a:rPr lang="en-US" dirty="0"/>
+              <a:t>and Interpretation which can have lot of implications in language processing and study of graphs and testing conjectures</a:t>
+            </a:r>
+            <a:r>
+              <a:rPr lang="en-US" dirty="0" smtClean="0"/>
+              <a:t>. Also</a:t>
+            </a:r>
+            <a:r>
+              <a:rPr lang="en-US" dirty="0"/>
+              <a:t>, we can find out that the most popular letter in the English language is "e". The letter frequency of all letters in the English language is: e t a o </a:t>
+            </a:r>
+            <a:r>
+              <a:rPr lang="en-US" dirty="0" err="1"/>
+              <a:t>i</a:t>
+            </a:r>
+            <a:r>
+              <a:rPr lang="en-US" dirty="0"/>
+              <a:t> n s r h l d c u m f p g w y b v k x j q z.</a:t>
+            </a:r>
+          </a:p>
+        </p:txBody>
+      </p:sp>
+    </p:spTree>
+    <p:extLst>
+      <p:ext uri="{BB962C8B-B14F-4D97-AF65-F5344CB8AC3E}">
+        <p14:creationId xmlns:p14="http://schemas.microsoft.com/office/powerpoint/2010/main" val="3175688465"/>
+      </p:ext>
+    </p:extLst>
+  </p:cSld>
+  <p:clrMapOvr>
+    <a:masterClrMapping/>
+  </p:clrMapOvr>
+  <p:timing>
+    <p:tnLst>
+      <p:par>
+        <p:cTn id="1" dur="indefinite" restart="never" nodeType="tmRoot"/>
+      </p:par>
+    </p:tnLst>
+  </p:timing>
+</p:sld>
+</file>
+
+<file path=ppt/slides/slide21.xml><?xml version="1.0" encoding="utf-8"?>
+<p:sld xmlns:a="http://schemas.openxmlformats.org/drawingml/2006/main" xmlns:r="http://schemas.openxmlformats.org/officeDocument/2006/relationships" xmlns:p="http://schemas.openxmlformats.org/presentationml/2006/main">
+  <p:cSld>
+    <p:spTree>
+      <p:nvGrpSpPr>
+        <p:cNvPr id="1" name=""/>
+        <p:cNvGrpSpPr/>
+        <p:nvPr/>
+      </p:nvGrpSpPr>
+      <p:grpSpPr>
+        <a:xfrm>
+          <a:off x="0" y="0"/>
+          <a:ext cx="0" cy="0"/>
+          <a:chOff x="0" y="0"/>
+          <a:chExt cx="0" cy="0"/>
+        </a:xfrm>
+      </p:grpSpPr>
+      <p:sp>
+        <p:nvSpPr>
+          <p:cNvPr id="2" name="Title 1"/>
+          <p:cNvSpPr>
+            <a:spLocks noGrp="1"/>
+          </p:cNvSpPr>
+          <p:nvPr>
+            <p:ph type="title"/>
+          </p:nvPr>
+        </p:nvSpPr>
+        <p:spPr/>
+        <p:txBody>
+          <a:bodyPr/>
+          <a:lstStyle/>
+          <a:p>
+            <a:r>
+              <a:rPr lang="en-US" dirty="0" smtClean="0"/>
+              <a:t>References</a:t>
+            </a:r>
+            <a:endParaRPr lang="en-US" dirty="0"/>
+          </a:p>
+        </p:txBody>
+      </p:sp>
+      <p:sp>
+        <p:nvSpPr>
+          <p:cNvPr id="3" name="Content Placeholder 2"/>
+          <p:cNvSpPr>
+            <a:spLocks noGrp="1"/>
+          </p:cNvSpPr>
+          <p:nvPr>
+            <p:ph idx="1"/>
+          </p:nvPr>
+        </p:nvSpPr>
+        <p:spPr/>
+        <p:txBody>
+          <a:bodyPr/>
+          <a:lstStyle/>
+          <a:p>
+            <a:r>
+              <a:rPr lang="en-US" dirty="0" smtClean="0"/>
+              <a:t>Tutorials Point</a:t>
+            </a:r>
+          </a:p>
+          <a:p>
+            <a:r>
+              <a:rPr lang="en-US" dirty="0" smtClean="0"/>
+              <a:t>w3school</a:t>
+            </a:r>
+          </a:p>
+          <a:p>
+            <a:r>
+              <a:rPr lang="en-US" dirty="0" smtClean="0"/>
+              <a:t>Geeks for Geeks</a:t>
+            </a:r>
+          </a:p>
+          <a:p>
+            <a:endParaRPr lang="en-US" dirty="0" smtClean="0"/>
+          </a:p>
+        </p:txBody>
+      </p:sp>
+    </p:spTree>
+    <p:extLst>
+      <p:ext uri="{BB962C8B-B14F-4D97-AF65-F5344CB8AC3E}">
+        <p14:creationId xmlns:p14="http://schemas.microsoft.com/office/powerpoint/2010/main" val="1370148860"/>
+      </p:ext>
+    </p:extLst>
+  </p:cSld>
+  <p:clrMapOvr>
+    <a:masterClrMapping/>
+  </p:clrMapOvr>
+</p:sld>
+</file>
+
+<file path=ppt/slides/slide22.xml><?xml version="1.0" encoding="utf-8"?>
 <p:sld xmlns:a="http://schemas.openxmlformats.org/drawingml/2006/main" xmlns:r="http://schemas.openxmlformats.org/officeDocument/2006/relationships" xmlns:p="http://schemas.openxmlformats.org/presentationml/2006/main">
   <p:cSld>
     <p:spTree>
@@ -7593,8 +8745,8 @@
         </p:blipFill>
         <p:spPr>
           <a:xfrm>
-            <a:off x="2575775" y="1070450"/>
-            <a:ext cx="6593983" cy="4417968"/>
+            <a:off x="3011204" y="664050"/>
+            <a:ext cx="5973139" cy="4002003"/>
           </a:xfrm>
           <a:prstGeom prst="rect">
             <a:avLst/>
@@ -7605,135 +8757,6 @@
     <p:extLst>
       <p:ext uri="{BB962C8B-B14F-4D97-AF65-F5344CB8AC3E}">
         <p14:creationId xmlns:p14="http://schemas.microsoft.com/office/powerpoint/2010/main" val="2921850290"/>
-      </p:ext>
-    </p:extLst>
-  </p:cSld>
-  <p:clrMapOvr>
-    <a:masterClrMapping/>
-  </p:clrMapOvr>
-  <p:timing>
-    <p:tnLst>
-      <p:par>
-        <p:cTn id="1" dur="indefinite" restart="never" nodeType="tmRoot"/>
-      </p:par>
-    </p:tnLst>
-  </p:timing>
-</p:sld>
-</file>
-
-<file path=ppt/slides/slide2.xml><?xml version="1.0" encoding="utf-8"?>
-<p:sld xmlns:a="http://schemas.openxmlformats.org/drawingml/2006/main" xmlns:r="http://schemas.openxmlformats.org/officeDocument/2006/relationships" xmlns:p="http://schemas.openxmlformats.org/presentationml/2006/main">
-  <p:cSld>
-    <p:spTree>
-      <p:nvGrpSpPr>
-        <p:cNvPr id="1" name=""/>
-        <p:cNvGrpSpPr/>
-        <p:nvPr/>
-      </p:nvGrpSpPr>
-      <p:grpSpPr>
-        <a:xfrm>
-          <a:off x="0" y="0"/>
-          <a:ext cx="0" cy="0"/>
-          <a:chOff x="0" y="0"/>
-          <a:chExt cx="0" cy="0"/>
-        </a:xfrm>
-      </p:grpSpPr>
-      <p:sp>
-        <p:nvSpPr>
-          <p:cNvPr id="2" name="Title 1"/>
-          <p:cNvSpPr>
-            <a:spLocks noGrp="1"/>
-          </p:cNvSpPr>
-          <p:nvPr>
-            <p:ph type="title"/>
-          </p:nvPr>
-        </p:nvSpPr>
-        <p:spPr/>
-        <p:txBody>
-          <a:bodyPr/>
-          <a:lstStyle/>
-          <a:p>
-            <a:r>
-              <a:rPr lang="en-US" dirty="0" smtClean="0"/>
-              <a:t>Contents</a:t>
-            </a:r>
-            <a:endParaRPr lang="en-US" dirty="0"/>
-          </a:p>
-        </p:txBody>
-      </p:sp>
-      <p:sp>
-        <p:nvSpPr>
-          <p:cNvPr id="3" name="Content Placeholder 2"/>
-          <p:cNvSpPr>
-            <a:spLocks noGrp="1"/>
-          </p:cNvSpPr>
-          <p:nvPr>
-            <p:ph idx="1"/>
-          </p:nvPr>
-        </p:nvSpPr>
-        <p:spPr/>
-        <p:txBody>
-          <a:bodyPr>
-            <a:normAutofit fontScale="92500" lnSpcReduction="20000"/>
-          </a:bodyPr>
-          <a:lstStyle/>
-          <a:p>
-            <a:r>
-              <a:rPr lang="en-US" dirty="0" smtClean="0"/>
-              <a:t>Introduction</a:t>
-            </a:r>
-          </a:p>
-          <a:p>
-            <a:r>
-              <a:rPr lang="en-US" dirty="0" smtClean="0"/>
-              <a:t>Problem Statements</a:t>
-            </a:r>
-          </a:p>
-          <a:p>
-            <a:r>
-              <a:rPr lang="en-US" dirty="0" smtClean="0"/>
-              <a:t>Solution</a:t>
-            </a:r>
-          </a:p>
-          <a:p>
-            <a:r>
-              <a:rPr lang="en-US" dirty="0" smtClean="0"/>
-              <a:t>Rules of the game</a:t>
-            </a:r>
-          </a:p>
-          <a:p>
-            <a:r>
-              <a:rPr lang="en-US" dirty="0" smtClean="0"/>
-              <a:t>Advantage</a:t>
-            </a:r>
-          </a:p>
-          <a:p>
-            <a:r>
-              <a:rPr lang="en-US" dirty="0" smtClean="0"/>
-              <a:t>Flowchart</a:t>
-            </a:r>
-          </a:p>
-          <a:p>
-            <a:r>
-              <a:rPr lang="en-US" dirty="0" smtClean="0"/>
-              <a:t>Database Structure</a:t>
-            </a:r>
-          </a:p>
-          <a:p>
-            <a:r>
-              <a:rPr lang="en-US" dirty="0" smtClean="0"/>
-              <a:t>Trello Activities</a:t>
-            </a:r>
-          </a:p>
-          <a:p>
-            <a:endParaRPr lang="en-US" dirty="0"/>
-          </a:p>
-        </p:txBody>
-      </p:sp>
-    </p:spTree>
-    <p:extLst>
-      <p:ext uri="{BB962C8B-B14F-4D97-AF65-F5344CB8AC3E}">
-        <p14:creationId xmlns:p14="http://schemas.microsoft.com/office/powerpoint/2010/main" val="715529474"/>
       </p:ext>
     </p:extLst>
   </p:cSld>
@@ -7802,19 +8825,27 @@
         </p:nvSpPr>
         <p:spPr>
           <a:xfrm>
-            <a:off x="1295402" y="2434107"/>
-            <a:ext cx="9601194" cy="3812147"/>
+            <a:off x="914401" y="2588654"/>
+            <a:ext cx="10625070" cy="3747752"/>
           </a:xfrm>
         </p:spPr>
         <p:txBody>
           <a:bodyPr>
-            <a:normAutofit/>
+            <a:normAutofit fontScale="92500" lnSpcReduction="20000"/>
           </a:bodyPr>
           <a:lstStyle/>
           <a:p>
             <a:r>
               <a:rPr lang="en-US" dirty="0"/>
-              <a:t>The purpose of this project is to provide </a:t>
+              <a:t>Hangman is a popular word guessing game where the player attempts to build a missing word by guessing one letter at a time. </a:t>
+            </a:r>
+            <a:r>
+              <a:rPr lang="en-US" dirty="0" smtClean="0"/>
+              <a:t>The </a:t>
+            </a:r>
+            <a:r>
+              <a:rPr lang="en-US" dirty="0"/>
+              <a:t>purpose of this project is to provide </a:t>
             </a:r>
             <a:r>
               <a:rPr lang="en-US" dirty="0" smtClean="0"/>
@@ -7826,22 +8857,37 @@
             </a:r>
             <a:r>
               <a:rPr lang="en-US" dirty="0" smtClean="0"/>
-              <a:t>. There </a:t>
+              <a:t>. There will be the whole bunch of words contained in a dictionary from which one word will </a:t>
             </a:r>
             <a:r>
               <a:rPr lang="en-US" dirty="0"/>
-              <a:t>will be different categories like movies, sports, countries, etc. from which one word will be selected randomly and the user have to guess it right within 7 attempts. The game will end on guessing right or when </a:t>
+              <a:t>be selected </a:t>
             </a:r>
             <a:r>
               <a:rPr lang="en-US" dirty="0" smtClean="0"/>
-              <a:t>the user attempts it. </a:t>
-            </a:r>
-            <a:endParaRPr lang="en-US" dirty="0"/>
-          </a:p>
-          <a:p>
+              <a:t>randomly </a:t>
+            </a:r>
+            <a:r>
+              <a:rPr lang="en-US" dirty="0"/>
+              <a:t>and the user have to guess it right within </a:t>
+            </a:r>
             <a:r>
               <a:rPr lang="en-US" dirty="0" smtClean="0"/>
-              <a:t>This game will provide relaxation and fun for some minutes and would help in enriching some vocabulary, and some brain skills without diverting into complete mindlessness.</a:t>
+              <a:t>the attempts given at each </a:t>
+            </a:r>
+            <a:r>
+              <a:rPr lang="en-US" dirty="0"/>
+              <a:t>level . After a certain number of correct guesses, the game ends and the player wins. The game also ends if the player incorrectly identifies all the letters of the missing word  and looses. </a:t>
+            </a:r>
+            <a:r>
+              <a:rPr lang="en-US" dirty="0" smtClean="0"/>
+              <a:t>And the player can play this game as many times the player want to play and there is no time limit to complete this game.</a:t>
+            </a:r>
+          </a:p>
+          <a:p>
+            <a:r>
+              <a:rPr lang="en-US" dirty="0" smtClean="0"/>
+              <a:t>This game will provide relaxation and fun for some minutes and would help in enriching some vocabulary, and some brain skills without diverting into complete mindlessness and is a 1 player game.</a:t>
             </a:r>
             <a:endParaRPr lang="en-US" dirty="0"/>
           </a:p>
@@ -7963,7 +9009,7 @@
               <a:rPr lang="en-US" dirty="0" smtClean="0">
                 <a:latin typeface="Century" panose="02040604050505020304" pitchFamily="18" charset="0"/>
               </a:rPr>
-              <a:t>XAMPP</a:t>
+              <a:t>XAMPP(for database )</a:t>
             </a:r>
           </a:p>
           <a:p>
@@ -8078,8 +9124,8 @@
         </p:nvSpPr>
         <p:spPr>
           <a:xfrm>
-            <a:off x="1295402" y="2524259"/>
-            <a:ext cx="9259909" cy="4109971"/>
+            <a:off x="1184857" y="2550017"/>
+            <a:ext cx="9878096" cy="3319627"/>
           </a:xfrm>
           <a:prstGeom prst="rect">
             <a:avLst/>
@@ -8117,10 +9163,10 @@
                 <a:ea typeface="Times New Roman" panose="02020603050405020304" pitchFamily="18" charset="0"/>
                 <a:cs typeface="Times New Roman" panose="02020603050405020304" pitchFamily="18" charset="0"/>
               </a:rPr>
-              <a:t>Fetching random word from random categories </a:t>
-            </a:r>
-            <a:r>
-              <a:rPr lang="en-US" sz="2000" dirty="0">
+              <a:t>Fetching random word </a:t>
+            </a:r>
+            <a:r>
+              <a:rPr lang="en-US" sz="2000" dirty="0" smtClean="0">
                 <a:solidFill>
                   <a:srgbClr val="111111"/>
                 </a:solidFill>
@@ -8128,7 +9174,18 @@
                 <a:ea typeface="Times New Roman" panose="02020603050405020304" pitchFamily="18" charset="0"/>
                 <a:cs typeface="Times New Roman" panose="02020603050405020304" pitchFamily="18" charset="0"/>
               </a:rPr>
-              <a:t>:  It returns a random word that is going to be used in the game from the specified text file.</a:t>
+              <a:t>:  </a:t>
+            </a:r>
+            <a:r>
+              <a:rPr lang="en-US" sz="2000" dirty="0">
+                <a:solidFill>
+                  <a:srgbClr val="111111"/>
+                </a:solidFill>
+                <a:latin typeface="Times New Roman" panose="02020603050405020304" pitchFamily="18" charset="0"/>
+                <a:ea typeface="Times New Roman" panose="02020603050405020304" pitchFamily="18" charset="0"/>
+                <a:cs typeface="Times New Roman" panose="02020603050405020304" pitchFamily="18" charset="0"/>
+              </a:rPr>
+              <a:t>It returns a random word that is going to be used in the game from the specified text file.</a:t>
             </a:r>
             <a:endParaRPr lang="en-US" sz="2400" dirty="0">
               <a:latin typeface="Times New Roman" panose="02020603050405020304" pitchFamily="18" charset="0"/>
@@ -8207,7 +9264,7 @@
                 <a:ea typeface="Times New Roman" panose="02020603050405020304" pitchFamily="18" charset="0"/>
                 <a:cs typeface="Times New Roman" panose="02020603050405020304" pitchFamily="18" charset="0"/>
               </a:rPr>
-              <a:t>It hides certain characters of the word that has been generated</a:t>
+              <a:t>It hides </a:t>
             </a:r>
             <a:r>
               <a:rPr lang="en-US" sz="2000" dirty="0" smtClean="0">
@@ -8218,18 +9275,51 @@
                 <a:ea typeface="Times New Roman" panose="02020603050405020304" pitchFamily="18" charset="0"/>
                 <a:cs typeface="Times New Roman" panose="02020603050405020304" pitchFamily="18" charset="0"/>
               </a:rPr>
-              <a:t>.</a:t>
-            </a:r>
-            <a:r>
-              <a:rPr lang="en-US" sz="2400" dirty="0">
-                <a:solidFill>
-                  <a:srgbClr val="4472C4"/>
+              <a:t>every </a:t>
+            </a:r>
+            <a:r>
+              <a:rPr lang="en-US" sz="2000" dirty="0">
+                <a:solidFill>
+                  <a:srgbClr val="111111"/>
+                </a:solidFill>
+                <a:latin typeface="Times New Roman" panose="02020603050405020304" pitchFamily="18" charset="0"/>
+                <a:ea typeface="Times New Roman" panose="02020603050405020304" pitchFamily="18" charset="0"/>
+                <a:cs typeface="Times New Roman" panose="02020603050405020304" pitchFamily="18" charset="0"/>
+              </a:rPr>
+              <a:t>characters of the word that has been </a:t>
+            </a:r>
+            <a:r>
+              <a:rPr lang="en-US" sz="2000" dirty="0" smtClean="0">
+                <a:solidFill>
+                  <a:srgbClr val="111111"/>
+                </a:solidFill>
+                <a:latin typeface="Times New Roman" panose="02020603050405020304" pitchFamily="18" charset="0"/>
+                <a:ea typeface="Times New Roman" panose="02020603050405020304" pitchFamily="18" charset="0"/>
+                <a:cs typeface="Times New Roman" panose="02020603050405020304" pitchFamily="18" charset="0"/>
+              </a:rPr>
+              <a:t>generated</a:t>
+            </a:r>
+            <a:r>
+              <a:rPr lang="en-US" sz="2000" dirty="0">
+                <a:solidFill>
+                  <a:srgbClr val="111111"/>
                 </a:solidFill>
                 <a:latin typeface="Times New Roman" panose="02020603050405020304" pitchFamily="18" charset="0"/>
                 <a:ea typeface="Times New Roman" panose="02020603050405020304" pitchFamily="18" charset="0"/>
                 <a:cs typeface="Times New Roman" panose="02020603050405020304" pitchFamily="18" charset="0"/>
               </a:rPr>
               <a:t> </a:t>
+            </a:r>
+            <a:r>
+              <a:rPr lang="en-US" sz="2000" dirty="0" smtClean="0">
+                <a:solidFill>
+                  <a:srgbClr val="111111"/>
+                </a:solidFill>
+                <a:latin typeface="Times New Roman" panose="02020603050405020304" pitchFamily="18" charset="0"/>
+                <a:ea typeface="Times New Roman" panose="02020603050405020304" pitchFamily="18" charset="0"/>
+                <a:cs typeface="Times New Roman" panose="02020603050405020304" pitchFamily="18" charset="0"/>
+              </a:rPr>
+              <a:t>in the game.</a:t>
             </a:r>
             <a:endParaRPr lang="en-US" sz="2400" dirty="0" smtClean="0">
               <a:solidFill>
@@ -8278,10 +9368,10 @@
                 <a:ea typeface="Times New Roman" panose="02020603050405020304" pitchFamily="18" charset="0"/>
                 <a:cs typeface="Times New Roman" panose="02020603050405020304" pitchFamily="18" charset="0"/>
               </a:rPr>
-              <a:t>and placing </a:t>
-            </a:r>
-            <a:r>
-              <a:rPr lang="en-US" sz="2400">
+              <a:t>and placing the </a:t>
+            </a:r>
+            <a:r>
+              <a:rPr lang="en-US" sz="2400" dirty="0" smtClean="0">
                 <a:solidFill>
                   <a:srgbClr val="4472C4"/>
                 </a:solidFill>
@@ -8289,29 +9379,7 @@
                 <a:ea typeface="Times New Roman" panose="02020603050405020304" pitchFamily="18" charset="0"/>
                 <a:cs typeface="Times New Roman" panose="02020603050405020304" pitchFamily="18" charset="0"/>
               </a:rPr>
-              <a:t>the </a:t>
-            </a:r>
-            <a:r>
-              <a:rPr lang="en-US" sz="2400" smtClean="0">
-                <a:solidFill>
-                  <a:srgbClr val="4472C4"/>
-                </a:solidFill>
-                <a:latin typeface="Times New Roman" panose="02020603050405020304" pitchFamily="18" charset="0"/>
-                <a:ea typeface="Times New Roman" panose="02020603050405020304" pitchFamily="18" charset="0"/>
-                <a:cs typeface="Times New Roman" panose="02020603050405020304" pitchFamily="18" charset="0"/>
-              </a:rPr>
-              <a:t>right character</a:t>
-            </a:r>
-            <a:r>
-              <a:rPr lang="en-US" sz="2400" dirty="0" smtClean="0">
-                <a:solidFill>
-                  <a:srgbClr val="4472C4"/>
-                </a:solidFill>
-                <a:latin typeface="Times New Roman" panose="02020603050405020304" pitchFamily="18" charset="0"/>
-                <a:ea typeface="Times New Roman" panose="02020603050405020304" pitchFamily="18" charset="0"/>
-                <a:cs typeface="Times New Roman" panose="02020603050405020304" pitchFamily="18" charset="0"/>
-              </a:rPr>
-              <a:t>: </a:t>
+              <a:t>right character: </a:t>
             </a:r>
             <a:r>
               <a:rPr lang="en-US" sz="2000" dirty="0" smtClean="0">
@@ -8333,53 +9401,18 @@
                 <a:ea typeface="Times New Roman" panose="02020603050405020304" pitchFamily="18" charset="0"/>
                 <a:cs typeface="Times New Roman" panose="02020603050405020304" pitchFamily="18" charset="0"/>
               </a:rPr>
-              <a:t>function checks if the character entered by the user is one of the missing characters of the hidden word. If the character is found in the word, it is placed into its exact location.</a:t>
-            </a:r>
-            <a:endParaRPr lang="en-US" sz="2400" dirty="0">
-              <a:latin typeface="Times New Roman" panose="02020603050405020304" pitchFamily="18" charset="0"/>
-              <a:ea typeface="Calibri" panose="020F0502020204030204" pitchFamily="34" charset="0"/>
-              <a:cs typeface="Times New Roman" panose="02020603050405020304" pitchFamily="18" charset="0"/>
-            </a:endParaRPr>
-          </a:p>
-          <a:p>
-            <a:pPr marL="342900" marR="0" lvl="0" indent="-342900">
-              <a:lnSpc>
-                <a:spcPct val="107000"/>
-              </a:lnSpc>
-              <a:spcBef>
-                <a:spcPts val="0"/>
-              </a:spcBef>
-              <a:spcAft>
-                <a:spcPts val="0"/>
-              </a:spcAft>
-              <a:buSzPts val="1000"/>
-              <a:buFont typeface="Symbol" panose="05050102010706020507" pitchFamily="18" charset="2"/>
-              <a:buChar char=""/>
-              <a:tabLst>
-                <a:tab pos="457200" algn="l"/>
-              </a:tabLst>
-            </a:pPr>
-            <a:r>
-              <a:rPr lang="en-US" sz="2400" dirty="0">
-                <a:solidFill>
-                  <a:srgbClr val="4472C4"/>
+              <a:t>function checks if the character entered by the user is one of the missing characters of the hidden word. If the character is found in the word, it is placed into its exact </a:t>
+            </a:r>
+            <a:r>
+              <a:rPr lang="en-US" sz="2000" dirty="0" smtClean="0">
+                <a:solidFill>
+                  <a:srgbClr val="111111"/>
                 </a:solidFill>
                 <a:latin typeface="Times New Roman" panose="02020603050405020304" pitchFamily="18" charset="0"/>
                 <a:ea typeface="Times New Roman" panose="02020603050405020304" pitchFamily="18" charset="0"/>
                 <a:cs typeface="Times New Roman" panose="02020603050405020304" pitchFamily="18" charset="0"/>
               </a:rPr>
-              <a:t>Checking if Game is Over</a:t>
-            </a:r>
-            <a:r>
-              <a:rPr lang="en-US" sz="2000" dirty="0">
-                <a:solidFill>
-                  <a:srgbClr val="111111"/>
-                </a:solidFill>
-                <a:latin typeface="Times New Roman" panose="02020603050405020304" pitchFamily="18" charset="0"/>
-                <a:ea typeface="Times New Roman" panose="02020603050405020304" pitchFamily="18" charset="0"/>
-                <a:cs typeface="Times New Roman" panose="02020603050405020304" pitchFamily="18" charset="0"/>
-              </a:rPr>
-              <a:t>: This function checks if the game is over. Games ends when user exceeds maximum allowed attempts or if the user guesses the word right.</a:t>
+              <a:t>location and it goes on loop until the word has been correctly guessed within the right amount of no. of attempts.</a:t>
             </a:r>
             <a:endParaRPr lang="en-US" sz="2400" dirty="0">
               <a:latin typeface="Times New Roman" panose="02020603050405020304" pitchFamily="18" charset="0"/>
@@ -8467,39 +9500,237 @@
           <a:p>
             <a:r>
               <a:rPr lang="en-US" dirty="0" smtClean="0"/>
-              <a:t>Problem Statements</a:t>
-            </a:r>
-            <a:endParaRPr lang="en-US" dirty="0"/>
-          </a:p>
-        </p:txBody>
-      </p:sp>
-      <p:sp>
-        <p:nvSpPr>
-          <p:cNvPr id="3" name="Content Placeholder 2"/>
-          <p:cNvSpPr>
-            <a:spLocks noGrp="1"/>
-          </p:cNvSpPr>
-          <p:nvPr>
-            <p:ph idx="1"/>
-          </p:nvPr>
-        </p:nvSpPr>
-        <p:spPr/>
-        <p:txBody>
-          <a:bodyPr/>
-          <a:lstStyle/>
-          <a:p>
-            <a:r>
-              <a:rPr lang="en-US" dirty="0" smtClean="0"/>
-              <a:t>Nowadays children play those games which divert their minds.</a:t>
-            </a:r>
-            <a:endParaRPr lang="en-US" dirty="0"/>
+              <a:t>Modules(Continued)</a:t>
+            </a:r>
+            <a:endParaRPr lang="en-US" dirty="0"/>
+          </a:p>
+        </p:txBody>
+      </p:sp>
+      <p:sp>
+        <p:nvSpPr>
+          <p:cNvPr id="3" name="Rectangle 2"/>
+          <p:cNvSpPr/>
+          <p:nvPr/>
+        </p:nvSpPr>
+        <p:spPr>
+          <a:xfrm>
+            <a:off x="1390917" y="2550017"/>
+            <a:ext cx="9736429" cy="2397516"/>
+          </a:xfrm>
+          <a:prstGeom prst="rect">
+            <a:avLst/>
+          </a:prstGeom>
+        </p:spPr>
+        <p:txBody>
+          <a:bodyPr wrap="square">
+            <a:spAutoFit/>
+          </a:bodyPr>
+          <a:lstStyle/>
+          <a:p>
+            <a:pPr marL="342900" marR="0" lvl="0" indent="-342900">
+              <a:lnSpc>
+                <a:spcPct val="107000"/>
+              </a:lnSpc>
+              <a:spcBef>
+                <a:spcPts val="0"/>
+              </a:spcBef>
+              <a:spcAft>
+                <a:spcPts val="0"/>
+              </a:spcAft>
+              <a:buSzPts val="1000"/>
+              <a:buFont typeface="Symbol" panose="05050102010706020507" pitchFamily="18" charset="2"/>
+              <a:buChar char=""/>
+              <a:tabLst>
+                <a:tab pos="457200" algn="l"/>
+              </a:tabLst>
+            </a:pPr>
+            <a:r>
+              <a:rPr lang="en-US" sz="2800" dirty="0">
+                <a:solidFill>
+                  <a:srgbClr val="4472C4"/>
+                </a:solidFill>
+                <a:latin typeface="Times New Roman" panose="02020603050405020304" pitchFamily="18" charset="0"/>
+                <a:ea typeface="Times New Roman" panose="02020603050405020304" pitchFamily="18" charset="0"/>
+                <a:cs typeface="Times New Roman" panose="02020603050405020304" pitchFamily="18" charset="0"/>
+              </a:rPr>
+              <a:t>Checking if Game is Over</a:t>
+            </a:r>
+            <a:r>
+              <a:rPr lang="en-US" sz="2400" dirty="0">
+                <a:solidFill>
+                  <a:srgbClr val="111111"/>
+                </a:solidFill>
+                <a:latin typeface="Times New Roman" panose="02020603050405020304" pitchFamily="18" charset="0"/>
+                <a:ea typeface="Times New Roman" panose="02020603050405020304" pitchFamily="18" charset="0"/>
+                <a:cs typeface="Times New Roman" panose="02020603050405020304" pitchFamily="18" charset="0"/>
+              </a:rPr>
+              <a:t>: </a:t>
+            </a:r>
+            <a:r>
+              <a:rPr lang="en-US" sz="2000" dirty="0">
+                <a:solidFill>
+                  <a:srgbClr val="111111"/>
+                </a:solidFill>
+                <a:latin typeface="Times New Roman" panose="02020603050405020304" pitchFamily="18" charset="0"/>
+                <a:ea typeface="Times New Roman" panose="02020603050405020304" pitchFamily="18" charset="0"/>
+                <a:cs typeface="Times New Roman" panose="02020603050405020304" pitchFamily="18" charset="0"/>
+              </a:rPr>
+              <a:t>This function checks if the game is over. Games ends when user exceeds maximum allowed attempts or if the user guesses the word right.</a:t>
+            </a:r>
+            <a:endParaRPr lang="en-US" sz="2400" dirty="0">
+              <a:solidFill>
+                <a:srgbClr val="111111"/>
+              </a:solidFill>
+              <a:latin typeface="Times New Roman" panose="02020603050405020304" pitchFamily="18" charset="0"/>
+              <a:ea typeface="Times New Roman" panose="02020603050405020304" pitchFamily="18" charset="0"/>
+              <a:cs typeface="Times New Roman" panose="02020603050405020304" pitchFamily="18" charset="0"/>
+            </a:endParaRPr>
+          </a:p>
+          <a:p>
+            <a:pPr marL="342900" marR="0" lvl="0" indent="-342900">
+              <a:lnSpc>
+                <a:spcPct val="107000"/>
+              </a:lnSpc>
+              <a:spcBef>
+                <a:spcPts val="0"/>
+              </a:spcBef>
+              <a:spcAft>
+                <a:spcPts val="0"/>
+              </a:spcAft>
+              <a:buSzPts val="1000"/>
+              <a:buFont typeface="Symbol" panose="05050102010706020507" pitchFamily="18" charset="2"/>
+              <a:buChar char=""/>
+              <a:tabLst>
+                <a:tab pos="457200" algn="l"/>
+              </a:tabLst>
+            </a:pPr>
+            <a:r>
+              <a:rPr lang="en-US" sz="2800" dirty="0">
+                <a:solidFill>
+                  <a:srgbClr val="4472C4"/>
+                </a:solidFill>
+                <a:latin typeface="Times New Roman" panose="02020603050405020304" pitchFamily="18" charset="0"/>
+                <a:ea typeface="Times New Roman" panose="02020603050405020304" pitchFamily="18" charset="0"/>
+                <a:cs typeface="Times New Roman" panose="02020603050405020304" pitchFamily="18" charset="0"/>
+              </a:rPr>
+              <a:t>Checking if Letter has been already used:</a:t>
+            </a:r>
+            <a:r>
+              <a:rPr lang="en-US" sz="2800" dirty="0">
+                <a:solidFill>
+                  <a:srgbClr val="111111"/>
+                </a:solidFill>
+                <a:latin typeface="Times New Roman" panose="02020603050405020304" pitchFamily="18" charset="0"/>
+                <a:ea typeface="Times New Roman" panose="02020603050405020304" pitchFamily="18" charset="0"/>
+                <a:cs typeface="Times New Roman" panose="02020603050405020304" pitchFamily="18" charset="0"/>
+              </a:rPr>
+              <a:t> </a:t>
+            </a:r>
+            <a:r>
+              <a:rPr lang="en-US" sz="2000" dirty="0" smtClean="0">
+                <a:solidFill>
+                  <a:srgbClr val="111111"/>
+                </a:solidFill>
+                <a:latin typeface="Times New Roman" panose="02020603050405020304" pitchFamily="18" charset="0"/>
+                <a:ea typeface="Times New Roman" panose="02020603050405020304" pitchFamily="18" charset="0"/>
+                <a:cs typeface="Times New Roman" panose="02020603050405020304" pitchFamily="18" charset="0"/>
+              </a:rPr>
+              <a:t>To check if the letters are already selected to  guess, if already selected then it </a:t>
+            </a:r>
+            <a:r>
+              <a:rPr lang="en-US" sz="2000" dirty="0">
+                <a:solidFill>
+                  <a:srgbClr val="111111"/>
+                </a:solidFill>
+                <a:latin typeface="Times New Roman" panose="02020603050405020304" pitchFamily="18" charset="0"/>
+                <a:ea typeface="Times New Roman" panose="02020603050405020304" pitchFamily="18" charset="0"/>
+                <a:cs typeface="Times New Roman" panose="02020603050405020304" pitchFamily="18" charset="0"/>
+              </a:rPr>
+              <a:t>will not show on the virtual keyboard</a:t>
+            </a:r>
+            <a:r>
+              <a:rPr lang="en-US" sz="2000" dirty="0" smtClean="0">
+                <a:solidFill>
+                  <a:srgbClr val="111111"/>
+                </a:solidFill>
+                <a:latin typeface="Times New Roman" panose="02020603050405020304" pitchFamily="18" charset="0"/>
+                <a:ea typeface="Times New Roman" panose="02020603050405020304" pitchFamily="18" charset="0"/>
+                <a:cs typeface="Times New Roman" panose="02020603050405020304" pitchFamily="18" charset="0"/>
+              </a:rPr>
+              <a:t>.</a:t>
+            </a:r>
+            <a:endParaRPr lang="en-US" sz="2400" dirty="0" smtClean="0">
+              <a:solidFill>
+                <a:srgbClr val="111111"/>
+              </a:solidFill>
+              <a:latin typeface="Times New Roman" panose="02020603050405020304" pitchFamily="18" charset="0"/>
+              <a:ea typeface="Times New Roman" panose="02020603050405020304" pitchFamily="18" charset="0"/>
+              <a:cs typeface="Times New Roman" panose="02020603050405020304" pitchFamily="18" charset="0"/>
+            </a:endParaRPr>
+          </a:p>
+          <a:p>
+            <a:pPr marL="342900" marR="0" lvl="0" indent="-342900">
+              <a:lnSpc>
+                <a:spcPct val="107000"/>
+              </a:lnSpc>
+              <a:spcBef>
+                <a:spcPts val="0"/>
+              </a:spcBef>
+              <a:spcAft>
+                <a:spcPts val="0"/>
+              </a:spcAft>
+              <a:buSzPts val="1000"/>
+              <a:buFont typeface="Symbol" panose="05050102010706020507" pitchFamily="18" charset="2"/>
+              <a:buChar char=""/>
+              <a:tabLst>
+                <a:tab pos="457200" algn="l"/>
+              </a:tabLst>
+            </a:pPr>
+            <a:r>
+              <a:rPr lang="en-US" sz="2400" dirty="0" smtClean="0">
+                <a:solidFill>
+                  <a:srgbClr val="4472C4"/>
+                </a:solidFill>
+                <a:latin typeface="Times New Roman" panose="02020603050405020304" pitchFamily="18" charset="0"/>
+                <a:ea typeface="Calibri" panose="020F0502020204030204" pitchFamily="34" charset="0"/>
+                <a:cs typeface="Times New Roman" panose="02020603050405020304" pitchFamily="18" charset="0"/>
+              </a:rPr>
+              <a:t>Play Again:</a:t>
+            </a:r>
+            <a:r>
+              <a:rPr lang="en-US" sz="2400" dirty="0">
+                <a:solidFill>
+                  <a:srgbClr val="111111"/>
+                </a:solidFill>
+                <a:latin typeface="Times New Roman" panose="02020603050405020304" pitchFamily="18" charset="0"/>
+                <a:ea typeface="Times New Roman" panose="02020603050405020304" pitchFamily="18" charset="0"/>
+                <a:cs typeface="Times New Roman" panose="02020603050405020304" pitchFamily="18" charset="0"/>
+              </a:rPr>
+              <a:t> </a:t>
+            </a:r>
+            <a:r>
+              <a:rPr lang="en-US" sz="2000" dirty="0" smtClean="0">
+                <a:solidFill>
+                  <a:srgbClr val="111111"/>
+                </a:solidFill>
+                <a:latin typeface="Times New Roman" panose="02020603050405020304" pitchFamily="18" charset="0"/>
+                <a:ea typeface="Times New Roman" panose="02020603050405020304" pitchFamily="18" charset="0"/>
+                <a:cs typeface="Times New Roman" panose="02020603050405020304" pitchFamily="18" charset="0"/>
+              </a:rPr>
+              <a:t>If the game is completed and the player wants to play game again then user would select play again option and the game would restart again.</a:t>
+            </a:r>
+            <a:endParaRPr lang="en-US" sz="2000" dirty="0">
+              <a:latin typeface="Times New Roman" panose="02020603050405020304" pitchFamily="18" charset="0"/>
+              <a:ea typeface="Calibri" panose="020F0502020204030204" pitchFamily="34" charset="0"/>
+              <a:cs typeface="Times New Roman" panose="02020603050405020304" pitchFamily="18" charset="0"/>
+            </a:endParaRPr>
           </a:p>
         </p:txBody>
       </p:sp>
     </p:spTree>
     <p:extLst>
       <p:ext uri="{BB962C8B-B14F-4D97-AF65-F5344CB8AC3E}">
-        <p14:creationId xmlns:p14="http://schemas.microsoft.com/office/powerpoint/2010/main" val="47021812"/>
+        <p14:creationId xmlns:p14="http://schemas.microsoft.com/office/powerpoint/2010/main" val="2552051454"/>
       </p:ext>
     </p:extLst>
   </p:cSld>
@@ -8550,7 +9781,7 @@
           <a:p>
             <a:r>
               <a:rPr lang="en-US" dirty="0" smtClean="0"/>
-              <a:t>Solution</a:t>
+              <a:t>Problem Statements</a:t>
             </a:r>
             <a:endParaRPr lang="en-US" dirty="0"/>
           </a:p>
@@ -8573,16 +9804,28 @@
           <a:p>
             <a:r>
               <a:rPr lang="en-US" dirty="0" smtClean="0"/>
-              <a:t>This game will reduce the mind </a:t>
-            </a:r>
+              <a:t>Animate: Animating the character</a:t>
+            </a:r>
+          </a:p>
+          <a:p>
             <a:r>
               <a:rPr lang="en-US" dirty="0" smtClean="0"/>
-              <a:t>divertlessness </a:t>
-            </a:r>
+              <a:t>Select word: Selecting random words from Database</a:t>
+            </a:r>
+          </a:p>
+          <a:p>
             <a:r>
               <a:rPr lang="en-US" dirty="0" smtClean="0"/>
-              <a:t>from other games and would increase their vocabulary.</a:t>
-            </a:r>
+              <a:t>Letter Guessed: To let the user know that the character has been selected</a:t>
+            </a:r>
+          </a:p>
+          <a:p>
+            <a:r>
+              <a:rPr lang="en-US" dirty="0" smtClean="0"/>
+              <a:t>Real Life problem: Nowadays children play those games which divert their minds.</a:t>
+            </a:r>
+          </a:p>
+          <a:p>
             <a:endParaRPr lang="en-US" dirty="0"/>
           </a:p>
         </p:txBody>
@@ -8590,7 +9833,7 @@
     </p:spTree>
     <p:extLst>
       <p:ext uri="{BB962C8B-B14F-4D97-AF65-F5344CB8AC3E}">
-        <p14:creationId xmlns:p14="http://schemas.microsoft.com/office/powerpoint/2010/main" val="461954103"/>
+        <p14:creationId xmlns:p14="http://schemas.microsoft.com/office/powerpoint/2010/main" val="47021812"/>
       </p:ext>
     </p:extLst>
   </p:cSld>
@@ -8631,63 +9874,69 @@
             <a:spLocks noGrp="1"/>
           </p:cNvSpPr>
           <p:nvPr>
-            <p:ph type="ctrTitle"/>
-          </p:nvPr>
-        </p:nvSpPr>
-        <p:spPr>
-          <a:xfrm>
-            <a:off x="2499215" y="1562040"/>
-            <a:ext cx="6815669" cy="1013736"/>
-          </a:xfrm>
-        </p:spPr>
+            <p:ph type="title"/>
+          </p:nvPr>
+        </p:nvSpPr>
+        <p:spPr/>
         <p:txBody>
           <a:bodyPr/>
           <a:lstStyle/>
           <a:p>
             <a:r>
-              <a:rPr lang="en-US" sz="3200" b="1" dirty="0" smtClean="0"/>
-              <a:t>What languages we used?</a:t>
-            </a:r>
-            <a:endParaRPr lang="en-US" sz="3200" b="1" dirty="0"/>
-          </a:p>
-        </p:txBody>
-      </p:sp>
-      <p:sp>
-        <p:nvSpPr>
-          <p:cNvPr id="3" name="Subtitle 2"/>
-          <p:cNvSpPr>
-            <a:spLocks noGrp="1"/>
-          </p:cNvSpPr>
-          <p:nvPr>
-            <p:ph type="subTitle" idx="1"/>
-          </p:nvPr>
-        </p:nvSpPr>
-        <p:spPr>
-          <a:xfrm>
-            <a:off x="2692398" y="2575776"/>
-            <a:ext cx="6815669" cy="2402623"/>
-          </a:xfrm>
-        </p:spPr>
+              <a:rPr lang="en-US" dirty="0" smtClean="0"/>
+              <a:t>Solution</a:t>
+            </a:r>
+            <a:endParaRPr lang="en-US" dirty="0"/>
+          </a:p>
+        </p:txBody>
+      </p:sp>
+      <p:sp>
+        <p:nvSpPr>
+          <p:cNvPr id="3" name="Content Placeholder 2"/>
+          <p:cNvSpPr>
+            <a:spLocks noGrp="1"/>
+          </p:cNvSpPr>
+          <p:nvPr>
+            <p:ph idx="1"/>
+          </p:nvPr>
+        </p:nvSpPr>
+        <p:spPr/>
         <p:txBody>
           <a:bodyPr>
-            <a:normAutofit/>
+            <a:normAutofit fontScale="92500" lnSpcReduction="20000"/>
           </a:bodyPr>
           <a:lstStyle/>
           <a:p>
             <a:r>
-              <a:rPr lang="en-US" sz="2800" dirty="0" smtClean="0"/>
-              <a:t>We used html, JavaScript, css, PHP.</a:t>
-            </a:r>
-          </a:p>
-          <a:p>
-            <a:endParaRPr lang="en-US" sz="2800" dirty="0"/>
+              <a:rPr lang="en-US" dirty="0" smtClean="0"/>
+              <a:t>Animate: First we made a simple game and the if the selected character was incorrect we added a new image at each step.</a:t>
+            </a:r>
+          </a:p>
+          <a:p>
+            <a:r>
+              <a:rPr lang="en-US" dirty="0" smtClean="0"/>
+              <a:t>Select word: It was difficult to select random words from database , therefore we created a text file and selected random words from there which consists of every word that is in a dictionary.</a:t>
+            </a:r>
+          </a:p>
+          <a:p>
+            <a:r>
+              <a:rPr lang="en-US" dirty="0" smtClean="0"/>
+              <a:t>Letter Guessed: We removed each letter as soon it has been selected and compared that letter with the hidden characters letter, if there it gets displayed on the right position , if not the attempts gets reduced.</a:t>
+            </a:r>
+          </a:p>
+          <a:p>
+            <a:r>
+              <a:rPr lang="en-US" dirty="0" smtClean="0"/>
+              <a:t>Real Life problem: This game will reduce the mind divertlessness from other games and would increase their vocabulary.</a:t>
+            </a:r>
+            <a:endParaRPr lang="en-US" dirty="0"/>
           </a:p>
         </p:txBody>
       </p:sp>
     </p:spTree>
     <p:extLst>
       <p:ext uri="{BB962C8B-B14F-4D97-AF65-F5344CB8AC3E}">
-        <p14:creationId xmlns:p14="http://schemas.microsoft.com/office/powerpoint/2010/main" val="3415928051"/>
+        <p14:creationId xmlns:p14="http://schemas.microsoft.com/office/powerpoint/2010/main" val="461954103"/>
       </p:ext>
     </p:extLst>
   </p:cSld>
@@ -8728,98 +9977,63 @@
             <a:spLocks noGrp="1"/>
           </p:cNvSpPr>
           <p:nvPr>
-            <p:ph type="title"/>
-          </p:nvPr>
-        </p:nvSpPr>
-        <p:spPr/>
+            <p:ph type="ctrTitle"/>
+          </p:nvPr>
+        </p:nvSpPr>
+        <p:spPr>
+          <a:xfrm>
+            <a:off x="2499215" y="1562040"/>
+            <a:ext cx="6815669" cy="1013736"/>
+          </a:xfrm>
+        </p:spPr>
         <p:txBody>
           <a:bodyPr/>
           <a:lstStyle/>
           <a:p>
             <a:r>
-              <a:rPr lang="en-US" dirty="0"/>
-              <a:t>Rules of the game</a:t>
-            </a:r>
-          </a:p>
-        </p:txBody>
-      </p:sp>
-      <p:sp>
-        <p:nvSpPr>
-          <p:cNvPr id="3" name="Content Placeholder 2"/>
-          <p:cNvSpPr>
-            <a:spLocks noGrp="1"/>
-          </p:cNvSpPr>
-          <p:nvPr>
-            <p:ph idx="1"/>
-          </p:nvPr>
-        </p:nvSpPr>
-        <p:spPr/>
+              <a:rPr lang="en-US" sz="3200" b="1" dirty="0" smtClean="0"/>
+              <a:t>What languages we used?</a:t>
+            </a:r>
+            <a:endParaRPr lang="en-US" sz="3200" b="1" dirty="0"/>
+          </a:p>
+        </p:txBody>
+      </p:sp>
+      <p:sp>
+        <p:nvSpPr>
+          <p:cNvPr id="3" name="Subtitle 2"/>
+          <p:cNvSpPr>
+            <a:spLocks noGrp="1"/>
+          </p:cNvSpPr>
+          <p:nvPr>
+            <p:ph type="subTitle" idx="1"/>
+          </p:nvPr>
+        </p:nvSpPr>
+        <p:spPr>
+          <a:xfrm>
+            <a:off x="2692398" y="2575776"/>
+            <a:ext cx="6815669" cy="2402623"/>
+          </a:xfrm>
+        </p:spPr>
         <p:txBody>
           <a:bodyPr>
-            <a:normAutofit fontScale="92500"/>
+            <a:normAutofit/>
           </a:bodyPr>
           <a:lstStyle/>
           <a:p>
             <a:r>
-              <a:rPr lang="en-US" dirty="0" smtClean="0"/>
-              <a:t>A </a:t>
-            </a:r>
-            <a:r>
-              <a:rPr lang="en-US" dirty="0"/>
-              <a:t>random word is chosen and presented to the player as a string of underscores</a:t>
-            </a:r>
-          </a:p>
-          <a:p>
-            <a:r>
-              <a:rPr lang="en-US" dirty="0"/>
-              <a:t>Ex. Chosen word is Cat, presented string is “ _ _ _ “</a:t>
-            </a:r>
-          </a:p>
-          <a:p>
-            <a:r>
-              <a:rPr lang="en-US" dirty="0" smtClean="0"/>
-              <a:t> </a:t>
-            </a:r>
-            <a:r>
-              <a:rPr lang="en-US" dirty="0"/>
-              <a:t>A correct guess yields a filled in blank on the target string corresponding to the location or locations of the correctly guessed letter.</a:t>
-            </a:r>
-          </a:p>
-          <a:p>
-            <a:r>
-              <a:rPr lang="en-US" dirty="0"/>
-              <a:t>Ex. A is guessed, player is presented with “ _ A _ “</a:t>
-            </a:r>
-          </a:p>
-          <a:p>
-            <a:r>
-              <a:rPr lang="en-US" dirty="0" smtClean="0"/>
-              <a:t>An </a:t>
-            </a:r>
-            <a:r>
-              <a:rPr lang="en-US" dirty="0"/>
-              <a:t>incorrect guess does not fill in any of the target string. </a:t>
-            </a:r>
-          </a:p>
-          <a:p>
-            <a:r>
-              <a:rPr lang="en-US" dirty="0" smtClean="0"/>
-              <a:t>Limit </a:t>
-            </a:r>
-            <a:r>
-              <a:rPr lang="en-US" dirty="0"/>
-              <a:t>to amount of guesses.</a:t>
-            </a:r>
-          </a:p>
-          <a:p>
-            <a:endParaRPr lang="en-US" dirty="0"/>
+              <a:rPr lang="en-US" sz="2800" dirty="0" smtClean="0"/>
+              <a:t>We used HTML, JavaScript, css, PHP, MySQL.</a:t>
+            </a:r>
+          </a:p>
+          <a:p>
+            <a:endParaRPr lang="en-US" sz="2800" dirty="0"/>
           </a:p>
         </p:txBody>
       </p:sp>
     </p:spTree>
     <p:extLst>
       <p:ext uri="{BB962C8B-B14F-4D97-AF65-F5344CB8AC3E}">
-        <p14:creationId xmlns:p14="http://schemas.microsoft.com/office/powerpoint/2010/main" val="2753880248"/>
+        <p14:creationId xmlns:p14="http://schemas.microsoft.com/office/powerpoint/2010/main" val="3415928051"/>
       </p:ext>
     </p:extLst>
   </p:cSld>
